--- a/Results/PPI_Network/Coexpression/PPICoexpressionResults.pptx
+++ b/Results/PPI_Network/Coexpression/PPICoexpressionResults.pptx
@@ -5,7 +5,7 @@
     <p:sldMasterId id="2147483648" r:id="rId1"/>
   </p:sldMasterIdLst>
   <p:notesMasterIdLst>
-    <p:notesMasterId r:id="rId15"/>
+    <p:notesMasterId r:id="rId18"/>
   </p:notesMasterIdLst>
   <p:sldIdLst>
     <p:sldId id="256" r:id="rId2"/>
@@ -16,11 +16,14 @@
     <p:sldId id="261" r:id="rId7"/>
     <p:sldId id="262" r:id="rId8"/>
     <p:sldId id="263" r:id="rId9"/>
-    <p:sldId id="271" r:id="rId10"/>
-    <p:sldId id="269" r:id="rId11"/>
-    <p:sldId id="266" r:id="rId12"/>
-    <p:sldId id="267" r:id="rId13"/>
-    <p:sldId id="270" r:id="rId14"/>
+    <p:sldId id="272" r:id="rId10"/>
+    <p:sldId id="273" r:id="rId11"/>
+    <p:sldId id="274" r:id="rId12"/>
+    <p:sldId id="271" r:id="rId13"/>
+    <p:sldId id="269" r:id="rId14"/>
+    <p:sldId id="266" r:id="rId15"/>
+    <p:sldId id="267" r:id="rId16"/>
+    <p:sldId id="270" r:id="rId17"/>
   </p:sldIdLst>
   <p:sldSz cx="9144000" cy="5715000" type="screen16x10"/>
   <p:notesSz cx="6858000" cy="9144000"/>
@@ -204,7 +207,7 @@
           <a:p>
             <a:fld id="{D7108CDD-870C-7045-BC0F-5F7A055A8FAB}" type="datetimeFigureOut">
               <a:rPr lang="en-US" smtClean="0"/>
-              <a:t>23/10/17</a:t>
+              <a:t>03/11/17</a:t>
             </a:fld>
             <a:endParaRPr lang="en-US"/>
           </a:p>
@@ -561,6 +564,184 @@
 </p:notes>
 </file>
 
+<file path=ppt/notesSlides/notesSlide2.xml><?xml version="1.0" encoding="utf-8"?>
+<p:notes xmlns:a="http://schemas.openxmlformats.org/drawingml/2006/main" xmlns:r="http://schemas.openxmlformats.org/officeDocument/2006/relationships" xmlns:p="http://schemas.openxmlformats.org/presentationml/2006/main">
+  <p:cSld>
+    <p:spTree>
+      <p:nvGrpSpPr>
+        <p:cNvPr id="1" name=""/>
+        <p:cNvGrpSpPr/>
+        <p:nvPr/>
+      </p:nvGrpSpPr>
+      <p:grpSpPr>
+        <a:xfrm>
+          <a:off x="0" y="0"/>
+          <a:ext cx="0" cy="0"/>
+          <a:chOff x="0" y="0"/>
+          <a:chExt cx="0" cy="0"/>
+        </a:xfrm>
+      </p:grpSpPr>
+      <p:sp>
+        <p:nvSpPr>
+          <p:cNvPr id="2" name="Slide Image Placeholder 1"/>
+          <p:cNvSpPr>
+            <a:spLocks noGrp="1" noRot="1" noChangeAspect="1"/>
+          </p:cNvSpPr>
+          <p:nvPr>
+            <p:ph type="sldImg"/>
+          </p:nvPr>
+        </p:nvSpPr>
+        <p:spPr>
+          <a:xfrm>
+            <a:off x="685800" y="685800"/>
+            <a:ext cx="5486400" cy="3429000"/>
+          </a:xfrm>
+        </p:spPr>
+      </p:sp>
+      <p:sp>
+        <p:nvSpPr>
+          <p:cNvPr id="3" name="Notes Placeholder 2"/>
+          <p:cNvSpPr>
+            <a:spLocks noGrp="1"/>
+          </p:cNvSpPr>
+          <p:nvPr>
+            <p:ph type="body" idx="1"/>
+          </p:nvPr>
+        </p:nvSpPr>
+        <p:spPr/>
+        <p:txBody>
+          <a:bodyPr/>
+          <a:lstStyle/>
+          <a:p>
+            <a:endParaRPr lang="en-US" dirty="0"/>
+          </a:p>
+        </p:txBody>
+      </p:sp>
+      <p:sp>
+        <p:nvSpPr>
+          <p:cNvPr id="4" name="Slide Number Placeholder 3"/>
+          <p:cNvSpPr>
+            <a:spLocks noGrp="1"/>
+          </p:cNvSpPr>
+          <p:nvPr>
+            <p:ph type="sldNum" sz="quarter" idx="10"/>
+          </p:nvPr>
+        </p:nvSpPr>
+        <p:spPr/>
+        <p:txBody>
+          <a:bodyPr/>
+          <a:lstStyle/>
+          <a:p>
+            <a:fld id="{681FB1A6-4C4F-C34E-ABF9-8F7B4C305BA7}" type="slidenum">
+              <a:rPr lang="en-US" smtClean="0"/>
+              <a:t>9</a:t>
+            </a:fld>
+            <a:endParaRPr lang="en-US"/>
+          </a:p>
+        </p:txBody>
+      </p:sp>
+    </p:spTree>
+    <p:extLst>
+      <p:ext uri="{BB962C8B-B14F-4D97-AF65-F5344CB8AC3E}">
+        <p14:creationId xmlns:p14="http://schemas.microsoft.com/office/powerpoint/2010/main" val="645086312"/>
+      </p:ext>
+    </p:extLst>
+  </p:cSld>
+  <p:clrMapOvr>
+    <a:masterClrMapping/>
+  </p:clrMapOvr>
+</p:notes>
+</file>
+
+<file path=ppt/notesSlides/notesSlide3.xml><?xml version="1.0" encoding="utf-8"?>
+<p:notes xmlns:a="http://schemas.openxmlformats.org/drawingml/2006/main" xmlns:r="http://schemas.openxmlformats.org/officeDocument/2006/relationships" xmlns:p="http://schemas.openxmlformats.org/presentationml/2006/main">
+  <p:cSld>
+    <p:spTree>
+      <p:nvGrpSpPr>
+        <p:cNvPr id="1" name=""/>
+        <p:cNvGrpSpPr/>
+        <p:nvPr/>
+      </p:nvGrpSpPr>
+      <p:grpSpPr>
+        <a:xfrm>
+          <a:off x="0" y="0"/>
+          <a:ext cx="0" cy="0"/>
+          <a:chOff x="0" y="0"/>
+          <a:chExt cx="0" cy="0"/>
+        </a:xfrm>
+      </p:grpSpPr>
+      <p:sp>
+        <p:nvSpPr>
+          <p:cNvPr id="2" name="Slide Image Placeholder 1"/>
+          <p:cNvSpPr>
+            <a:spLocks noGrp="1" noRot="1" noChangeAspect="1"/>
+          </p:cNvSpPr>
+          <p:nvPr>
+            <p:ph type="sldImg"/>
+          </p:nvPr>
+        </p:nvSpPr>
+        <p:spPr>
+          <a:xfrm>
+            <a:off x="685800" y="685800"/>
+            <a:ext cx="5486400" cy="3429000"/>
+          </a:xfrm>
+        </p:spPr>
+      </p:sp>
+      <p:sp>
+        <p:nvSpPr>
+          <p:cNvPr id="3" name="Notes Placeholder 2"/>
+          <p:cNvSpPr>
+            <a:spLocks noGrp="1"/>
+          </p:cNvSpPr>
+          <p:nvPr>
+            <p:ph type="body" idx="1"/>
+          </p:nvPr>
+        </p:nvSpPr>
+        <p:spPr/>
+        <p:txBody>
+          <a:bodyPr/>
+          <a:lstStyle/>
+          <a:p>
+            <a:endParaRPr lang="en-US" dirty="0"/>
+          </a:p>
+        </p:txBody>
+      </p:sp>
+      <p:sp>
+        <p:nvSpPr>
+          <p:cNvPr id="4" name="Slide Number Placeholder 3"/>
+          <p:cNvSpPr>
+            <a:spLocks noGrp="1"/>
+          </p:cNvSpPr>
+          <p:nvPr>
+            <p:ph type="sldNum" sz="quarter" idx="10"/>
+          </p:nvPr>
+        </p:nvSpPr>
+        <p:spPr/>
+        <p:txBody>
+          <a:bodyPr/>
+          <a:lstStyle/>
+          <a:p>
+            <a:fld id="{681FB1A6-4C4F-C34E-ABF9-8F7B4C305BA7}" type="slidenum">
+              <a:rPr lang="en-US" smtClean="0"/>
+              <a:t>10</a:t>
+            </a:fld>
+            <a:endParaRPr lang="en-US"/>
+          </a:p>
+        </p:txBody>
+      </p:sp>
+    </p:spTree>
+    <p:extLst>
+      <p:ext uri="{BB962C8B-B14F-4D97-AF65-F5344CB8AC3E}">
+        <p14:creationId xmlns:p14="http://schemas.microsoft.com/office/powerpoint/2010/main" val="645086312"/>
+      </p:ext>
+    </p:extLst>
+  </p:cSld>
+  <p:clrMapOvr>
+    <a:masterClrMapping/>
+  </p:clrMapOvr>
+</p:notes>
+</file>
+
 <file path=ppt/slideLayouts/slideLayout1.xml><?xml version="1.0" encoding="utf-8"?>
 <p:sldLayout xmlns:a="http://schemas.openxmlformats.org/drawingml/2006/main" xmlns:r="http://schemas.openxmlformats.org/officeDocument/2006/relationships" xmlns:p="http://schemas.openxmlformats.org/presentationml/2006/main" type="title" preserve="1">
   <p:cSld name="Title Slide">
@@ -742,7 +923,7 @@
           <a:p>
             <a:fld id="{34D54335-AAC4-2342-9559-7D82DF9C6503}" type="datetimeFigureOut">
               <a:rPr lang="en-US" smtClean="0"/>
-              <a:t>23/10/17</a:t>
+              <a:t>03/11/17</a:t>
             </a:fld>
             <a:endParaRPr lang="en-US"/>
           </a:p>
@@ -912,7 +1093,7 @@
           <a:p>
             <a:fld id="{34D54335-AAC4-2342-9559-7D82DF9C6503}" type="datetimeFigureOut">
               <a:rPr lang="en-US" smtClean="0"/>
-              <a:t>23/10/17</a:t>
+              <a:t>03/11/17</a:t>
             </a:fld>
             <a:endParaRPr lang="en-US"/>
           </a:p>
@@ -1092,7 +1273,7 @@
           <a:p>
             <a:fld id="{34D54335-AAC4-2342-9559-7D82DF9C6503}" type="datetimeFigureOut">
               <a:rPr lang="en-US" smtClean="0"/>
-              <a:t>23/10/17</a:t>
+              <a:t>03/11/17</a:t>
             </a:fld>
             <a:endParaRPr lang="en-US"/>
           </a:p>
@@ -1262,7 +1443,7 @@
           <a:p>
             <a:fld id="{34D54335-AAC4-2342-9559-7D82DF9C6503}" type="datetimeFigureOut">
               <a:rPr lang="en-US" smtClean="0"/>
-              <a:t>23/10/17</a:t>
+              <a:t>03/11/17</a:t>
             </a:fld>
             <a:endParaRPr lang="en-US"/>
           </a:p>
@@ -1508,7 +1689,7 @@
           <a:p>
             <a:fld id="{34D54335-AAC4-2342-9559-7D82DF9C6503}" type="datetimeFigureOut">
               <a:rPr lang="en-US" smtClean="0"/>
-              <a:t>23/10/17</a:t>
+              <a:t>03/11/17</a:t>
             </a:fld>
             <a:endParaRPr lang="en-US"/>
           </a:p>
@@ -1796,7 +1977,7 @@
           <a:p>
             <a:fld id="{34D54335-AAC4-2342-9559-7D82DF9C6503}" type="datetimeFigureOut">
               <a:rPr lang="en-US" smtClean="0"/>
-              <a:t>23/10/17</a:t>
+              <a:t>03/11/17</a:t>
             </a:fld>
             <a:endParaRPr lang="en-US"/>
           </a:p>
@@ -2218,7 +2399,7 @@
           <a:p>
             <a:fld id="{34D54335-AAC4-2342-9559-7D82DF9C6503}" type="datetimeFigureOut">
               <a:rPr lang="en-US" smtClean="0"/>
-              <a:t>23/10/17</a:t>
+              <a:t>03/11/17</a:t>
             </a:fld>
             <a:endParaRPr lang="en-US"/>
           </a:p>
@@ -2336,7 +2517,7 @@
           <a:p>
             <a:fld id="{34D54335-AAC4-2342-9559-7D82DF9C6503}" type="datetimeFigureOut">
               <a:rPr lang="en-US" smtClean="0"/>
-              <a:t>23/10/17</a:t>
+              <a:t>03/11/17</a:t>
             </a:fld>
             <a:endParaRPr lang="en-US"/>
           </a:p>
@@ -2431,7 +2612,7 @@
           <a:p>
             <a:fld id="{34D54335-AAC4-2342-9559-7D82DF9C6503}" type="datetimeFigureOut">
               <a:rPr lang="en-US" smtClean="0"/>
-              <a:t>23/10/17</a:t>
+              <a:t>03/11/17</a:t>
             </a:fld>
             <a:endParaRPr lang="en-US"/>
           </a:p>
@@ -2708,7 +2889,7 @@
           <a:p>
             <a:fld id="{34D54335-AAC4-2342-9559-7D82DF9C6503}" type="datetimeFigureOut">
               <a:rPr lang="en-US" smtClean="0"/>
-              <a:t>23/10/17</a:t>
+              <a:t>03/11/17</a:t>
             </a:fld>
             <a:endParaRPr lang="en-US"/>
           </a:p>
@@ -2961,7 +3142,7 @@
           <a:p>
             <a:fld id="{34D54335-AAC4-2342-9559-7D82DF9C6503}" type="datetimeFigureOut">
               <a:rPr lang="en-US" smtClean="0"/>
-              <a:t>23/10/17</a:t>
+              <a:t>03/11/17</a:t>
             </a:fld>
             <a:endParaRPr lang="en-US"/>
           </a:p>
@@ -3174,7 +3355,7 @@
           <a:p>
             <a:fld id="{34D54335-AAC4-2342-9559-7D82DF9C6503}" type="datetimeFigureOut">
               <a:rPr lang="en-US" smtClean="0"/>
-              <a:t>23/10/17</a:t>
+              <a:t>03/11/17</a:t>
             </a:fld>
             <a:endParaRPr lang="en-US"/>
           </a:p>
@@ -3632,6 +3813,1720 @@
           <a:chExt cx="0" cy="0"/>
         </a:xfrm>
       </p:grpSpPr>
+      <p:pic>
+        <p:nvPicPr>
+          <p:cNvPr id="4" name="Picture 3" descr="G1.1_diseasegenes.pdf"/>
+          <p:cNvPicPr>
+            <a:picLocks noChangeAspect="1"/>
+          </p:cNvPicPr>
+          <p:nvPr/>
+        </p:nvPicPr>
+        <p:blipFill>
+          <a:blip r:embed="rId3">
+            <a:extLst>
+              <a:ext uri="{28A0092B-C50C-407E-A947-70E740481C1C}">
+                <a14:useLocalDpi xmlns:a14="http://schemas.microsoft.com/office/drawing/2010/main" val="0"/>
+              </a:ext>
+            </a:extLst>
+          </a:blip>
+          <a:stretch>
+            <a:fillRect/>
+          </a:stretch>
+        </p:blipFill>
+        <p:spPr>
+          <a:xfrm>
+            <a:off x="-36990" y="49320"/>
+            <a:ext cx="8854966" cy="5770486"/>
+          </a:xfrm>
+          <a:prstGeom prst="rect">
+            <a:avLst/>
+          </a:prstGeom>
+        </p:spPr>
+      </p:pic>
+      <p:sp>
+        <p:nvSpPr>
+          <p:cNvPr id="5" name="TextBox 4"/>
+          <p:cNvSpPr txBox="1"/>
+          <p:nvPr/>
+        </p:nvSpPr>
+        <p:spPr>
+          <a:xfrm>
+            <a:off x="98637" y="-12329"/>
+            <a:ext cx="1935759" cy="4524316"/>
+          </a:xfrm>
+          <a:prstGeom prst="rect">
+            <a:avLst/>
+          </a:prstGeom>
+          <a:noFill/>
+        </p:spPr>
+        <p:txBody>
+          <a:bodyPr wrap="square" rtlCol="0">
+            <a:spAutoFit/>
+          </a:bodyPr>
+          <a:lstStyle/>
+          <a:p>
+            <a:r>
+              <a:rPr lang="en-US" sz="1600" dirty="0" smtClean="0"/>
+              <a:t>Random Permutation Test</a:t>
+            </a:r>
+          </a:p>
+          <a:p>
+            <a:pPr marL="176400" indent="-176400">
+              <a:buFont typeface="Arial"/>
+              <a:buChar char="•"/>
+            </a:pPr>
+            <a:endParaRPr lang="en-US" sz="1600" dirty="0"/>
+          </a:p>
+          <a:p>
+            <a:pPr marL="176400" indent="-176400">
+              <a:buFont typeface="Arial"/>
+              <a:buChar char="•"/>
+            </a:pPr>
+            <a:r>
+              <a:rPr lang="en-US" sz="1600" dirty="0" smtClean="0"/>
+              <a:t>Randomly sampled genes same size as PPI (2550)</a:t>
+            </a:r>
+          </a:p>
+          <a:p>
+            <a:pPr marL="176400" indent="-176400">
+              <a:buFont typeface="Arial"/>
+              <a:buChar char="•"/>
+            </a:pPr>
+            <a:endParaRPr lang="en-US" sz="1600" dirty="0"/>
+          </a:p>
+          <a:p>
+            <a:pPr marL="176400" indent="-176400">
+              <a:buFont typeface="Arial"/>
+              <a:buChar char="•"/>
+            </a:pPr>
+            <a:r>
+              <a:rPr lang="en-US" sz="1600" dirty="0" smtClean="0"/>
+              <a:t>From that randomly sampled 104 “module” genes</a:t>
+            </a:r>
+          </a:p>
+          <a:p>
+            <a:pPr marL="176400" indent="-176400">
+              <a:buFont typeface="Arial"/>
+              <a:buChar char="•"/>
+            </a:pPr>
+            <a:endParaRPr lang="en-US" sz="1600" dirty="0"/>
+          </a:p>
+          <a:p>
+            <a:pPr marL="176400" indent="-176400">
+              <a:buFont typeface="Arial"/>
+              <a:buChar char="•"/>
+            </a:pPr>
+            <a:r>
+              <a:rPr lang="en-US" sz="1600" dirty="0" smtClean="0"/>
+              <a:t>Looked for overlap</a:t>
+            </a:r>
+          </a:p>
+          <a:p>
+            <a:pPr marL="176400" indent="-176400">
+              <a:buFont typeface="Arial"/>
+              <a:buChar char="•"/>
+            </a:pPr>
+            <a:endParaRPr lang="en-US" sz="1600" dirty="0"/>
+          </a:p>
+          <a:p>
+            <a:pPr marL="176400" indent="-176400">
+              <a:buFont typeface="Arial"/>
+              <a:buChar char="•"/>
+            </a:pPr>
+            <a:r>
+              <a:rPr lang="en-US" sz="1600" dirty="0" smtClean="0"/>
+              <a:t>Repeated 100,000 times</a:t>
+            </a:r>
+          </a:p>
+          <a:p>
+            <a:pPr marL="176400" indent="-176400">
+              <a:buFont typeface="Arial"/>
+              <a:buChar char="•"/>
+            </a:pPr>
+            <a:endParaRPr lang="en-US" sz="1600" dirty="0"/>
+          </a:p>
+          <a:p>
+            <a:pPr marL="176400" indent="-176400">
+              <a:buFont typeface="Arial"/>
+              <a:buChar char="•"/>
+            </a:pPr>
+            <a:r>
+              <a:rPr lang="en-US" sz="1600" dirty="0" smtClean="0"/>
+              <a:t>p = </a:t>
+            </a:r>
+            <a:r>
+              <a:rPr lang="nb-NO" sz="1600" dirty="0"/>
+              <a:t>0.00033</a:t>
+            </a:r>
+            <a:endParaRPr lang="en-US" sz="1600" dirty="0"/>
+          </a:p>
+        </p:txBody>
+      </p:sp>
+    </p:spTree>
+    <p:extLst>
+      <p:ext uri="{BB962C8B-B14F-4D97-AF65-F5344CB8AC3E}">
+        <p14:creationId xmlns:p14="http://schemas.microsoft.com/office/powerpoint/2010/main" val="3599435149"/>
+      </p:ext>
+    </p:extLst>
+  </p:cSld>
+  <p:clrMapOvr>
+    <a:masterClrMapping/>
+  </p:clrMapOvr>
+  <p:timing>
+    <p:tnLst>
+      <p:par>
+        <p:cTn xmlns:p14="http://schemas.microsoft.com/office/powerpoint/2010/main" id="1" dur="indefinite" restart="never" nodeType="tmRoot"/>
+      </p:par>
+    </p:tnLst>
+  </p:timing>
+</p:sld>
+</file>
+
+<file path=ppt/slides/slide11.xml><?xml version="1.0" encoding="utf-8"?>
+<p:sld xmlns:a="http://schemas.openxmlformats.org/drawingml/2006/main" xmlns:r="http://schemas.openxmlformats.org/officeDocument/2006/relationships" xmlns:p="http://schemas.openxmlformats.org/presentationml/2006/main">
+  <p:cSld>
+    <p:spTree>
+      <p:nvGrpSpPr>
+        <p:cNvPr id="1" name=""/>
+        <p:cNvGrpSpPr/>
+        <p:nvPr/>
+      </p:nvGrpSpPr>
+      <p:grpSpPr>
+        <a:xfrm>
+          <a:off x="0" y="0"/>
+          <a:ext cx="0" cy="0"/>
+          <a:chOff x="0" y="0"/>
+          <a:chExt cx="0" cy="0"/>
+        </a:xfrm>
+      </p:grpSpPr>
+    </p:spTree>
+    <p:extLst>
+      <p:ext uri="{BB962C8B-B14F-4D97-AF65-F5344CB8AC3E}">
+        <p14:creationId xmlns:p14="http://schemas.microsoft.com/office/powerpoint/2010/main" val="2180090832"/>
+      </p:ext>
+    </p:extLst>
+  </p:cSld>
+  <p:clrMapOvr>
+    <a:masterClrMapping/>
+  </p:clrMapOvr>
+</p:sld>
+</file>
+
+<file path=ppt/slides/slide12.xml><?xml version="1.0" encoding="utf-8"?>
+<p:sld xmlns:a="http://schemas.openxmlformats.org/drawingml/2006/main" xmlns:r="http://schemas.openxmlformats.org/officeDocument/2006/relationships" xmlns:p="http://schemas.openxmlformats.org/presentationml/2006/main" show="0">
+  <p:cSld>
+    <p:spTree>
+      <p:nvGrpSpPr>
+        <p:cNvPr id="1" name=""/>
+        <p:cNvGrpSpPr/>
+        <p:nvPr/>
+      </p:nvGrpSpPr>
+      <p:grpSpPr>
+        <a:xfrm>
+          <a:off x="0" y="0"/>
+          <a:ext cx="0" cy="0"/>
+          <a:chOff x="0" y="0"/>
+          <a:chExt cx="0" cy="0"/>
+        </a:xfrm>
+      </p:grpSpPr>
+      <p:pic>
+        <p:nvPicPr>
+          <p:cNvPr id="4" name="Picture 3" descr="Group1.1.pdf"/>
+          <p:cNvPicPr>
+            <a:picLocks noChangeAspect="1"/>
+          </p:cNvPicPr>
+          <p:nvPr/>
+        </p:nvPicPr>
+        <p:blipFill>
+          <a:blip r:embed="rId2">
+            <a:extLst>
+              <a:ext uri="{28A0092B-C50C-407E-A947-70E740481C1C}">
+                <a14:useLocalDpi xmlns:a14="http://schemas.microsoft.com/office/drawing/2010/main" val="0"/>
+              </a:ext>
+            </a:extLst>
+          </a:blip>
+          <a:stretch>
+            <a:fillRect/>
+          </a:stretch>
+        </p:blipFill>
+        <p:spPr>
+          <a:xfrm>
+            <a:off x="0" y="0"/>
+            <a:ext cx="9048914" cy="5758400"/>
+          </a:xfrm>
+          <a:prstGeom prst="rect">
+            <a:avLst/>
+          </a:prstGeom>
+        </p:spPr>
+      </p:pic>
+      <p:grpSp>
+        <p:nvGrpSpPr>
+          <p:cNvPr id="36" name="Group 35"/>
+          <p:cNvGrpSpPr/>
+          <p:nvPr/>
+        </p:nvGrpSpPr>
+        <p:grpSpPr>
+          <a:xfrm>
+            <a:off x="4645434" y="373529"/>
+            <a:ext cx="4423898" cy="2862323"/>
+            <a:chOff x="4645434" y="373529"/>
+            <a:chExt cx="4423898" cy="2862323"/>
+          </a:xfrm>
+        </p:grpSpPr>
+        <p:sp>
+          <p:nvSpPr>
+            <p:cNvPr id="5" name="TextBox 4"/>
+            <p:cNvSpPr txBox="1"/>
+            <p:nvPr/>
+          </p:nvSpPr>
+          <p:spPr>
+            <a:xfrm>
+              <a:off x="5991412" y="373529"/>
+              <a:ext cx="3077920" cy="2862323"/>
+            </a:xfrm>
+            <a:prstGeom prst="rect">
+              <a:avLst/>
+            </a:prstGeom>
+            <a:solidFill>
+              <a:schemeClr val="bg1"/>
+            </a:solidFill>
+            <a:ln>
+              <a:solidFill>
+                <a:schemeClr val="tx1"/>
+              </a:solidFill>
+            </a:ln>
+          </p:spPr>
+          <p:txBody>
+            <a:bodyPr wrap="square" rtlCol="0">
+              <a:spAutoFit/>
+            </a:bodyPr>
+            <a:lstStyle/>
+            <a:p>
+              <a:r>
+                <a:rPr lang="en-US" dirty="0" smtClean="0"/>
+                <a:t>Component of the 26S proteasome, a multiprotein complex involved in </a:t>
+              </a:r>
+              <a:r>
+                <a:rPr lang="en-US" b="1" dirty="0"/>
+                <a:t>the ATP-dependent degradation of ubiquitinated proteins</a:t>
+              </a:r>
+              <a:r>
+                <a:rPr lang="en-US" dirty="0" smtClean="0"/>
+                <a:t>. This complex plays a key role in the maintenance of protein homeostasis by </a:t>
+              </a:r>
+              <a:r>
+                <a:rPr lang="en-US" b="1" dirty="0" smtClean="0"/>
+                <a:t>removing misfolded or damaged proteins</a:t>
+              </a:r>
+              <a:endParaRPr lang="en-US" dirty="0"/>
+            </a:p>
+          </p:txBody>
+        </p:sp>
+        <p:cxnSp>
+          <p:nvCxnSpPr>
+            <p:cNvPr id="6" name="Straight Arrow Connector 5"/>
+            <p:cNvCxnSpPr>
+              <a:stCxn id="5" idx="1"/>
+            </p:cNvCxnSpPr>
+            <p:nvPr/>
+          </p:nvCxnSpPr>
+          <p:spPr>
+            <a:xfrm flipH="1">
+              <a:off x="4645434" y="1804691"/>
+              <a:ext cx="1345978" cy="653812"/>
+            </a:xfrm>
+            <a:prstGeom prst="straightConnector1">
+              <a:avLst/>
+            </a:prstGeom>
+            <a:ln w="57150" cmpd="sng">
+              <a:solidFill>
+                <a:srgbClr val="000000"/>
+              </a:solidFill>
+              <a:tailEnd type="arrow"/>
+            </a:ln>
+            <a:effectLst/>
+          </p:spPr>
+          <p:style>
+            <a:lnRef idx="2">
+              <a:schemeClr val="accent1"/>
+            </a:lnRef>
+            <a:fillRef idx="0">
+              <a:schemeClr val="accent1"/>
+            </a:fillRef>
+            <a:effectRef idx="1">
+              <a:schemeClr val="accent1"/>
+            </a:effectRef>
+            <a:fontRef idx="minor">
+              <a:schemeClr val="tx1"/>
+            </a:fontRef>
+          </p:style>
+        </p:cxnSp>
+      </p:grpSp>
+      <p:sp>
+        <p:nvSpPr>
+          <p:cNvPr id="8" name="TextBox 7"/>
+          <p:cNvSpPr txBox="1"/>
+          <p:nvPr/>
+        </p:nvSpPr>
+        <p:spPr>
+          <a:xfrm>
+            <a:off x="314228" y="1857189"/>
+            <a:ext cx="3077920" cy="2308324"/>
+          </a:xfrm>
+          <a:prstGeom prst="rect">
+            <a:avLst/>
+          </a:prstGeom>
+          <a:solidFill>
+            <a:schemeClr val="bg1"/>
+          </a:solidFill>
+          <a:ln>
+            <a:solidFill>
+              <a:schemeClr val="tx1"/>
+            </a:solidFill>
+          </a:ln>
+        </p:spPr>
+        <p:txBody>
+          <a:bodyPr wrap="square" rtlCol="0">
+            <a:spAutoFit/>
+          </a:bodyPr>
+          <a:lstStyle/>
+          <a:p>
+            <a:r>
+              <a:rPr lang="en-US" dirty="0" smtClean="0"/>
+              <a:t>Acts as component of the </a:t>
+            </a:r>
+            <a:r>
+              <a:rPr lang="en-US" b="1" dirty="0" err="1" smtClean="0"/>
+              <a:t>retromer</a:t>
+            </a:r>
+            <a:r>
+              <a:rPr lang="en-US" dirty="0" smtClean="0"/>
+              <a:t> </a:t>
+            </a:r>
+            <a:r>
+              <a:rPr lang="en-US" b="1" dirty="0" smtClean="0"/>
+              <a:t>cargo-selective complex (CSC)</a:t>
+            </a:r>
+            <a:r>
+              <a:rPr lang="en-US" dirty="0" smtClean="0"/>
+              <a:t>. The CSC is</a:t>
+            </a:r>
+            <a:r>
+              <a:rPr lang="mr-IN" dirty="0" smtClean="0"/>
+              <a:t>…</a:t>
+            </a:r>
+            <a:r>
+              <a:rPr lang="en-US" dirty="0" smtClean="0"/>
+              <a:t>acting to </a:t>
+            </a:r>
+            <a:r>
+              <a:rPr lang="en-US" b="1" dirty="0" smtClean="0"/>
+              <a:t>prevent </a:t>
+            </a:r>
+            <a:r>
+              <a:rPr lang="en-US" b="1" dirty="0" err="1" smtClean="0"/>
+              <a:t>missorting</a:t>
+            </a:r>
+            <a:r>
+              <a:rPr lang="en-US" b="1" dirty="0" smtClean="0"/>
+              <a:t> of selected transmembrane cargo proteins into the </a:t>
+            </a:r>
+            <a:r>
+              <a:rPr lang="en-US" b="1" dirty="0" err="1" smtClean="0"/>
+              <a:t>lysosomal</a:t>
+            </a:r>
+            <a:r>
+              <a:rPr lang="en-US" b="1" dirty="0" smtClean="0"/>
+              <a:t> degradation pathway</a:t>
+            </a:r>
+            <a:endParaRPr lang="en-US" b="1" dirty="0"/>
+          </a:p>
+        </p:txBody>
+      </p:sp>
+      <p:sp>
+        <p:nvSpPr>
+          <p:cNvPr id="12" name="TextBox 11"/>
+          <p:cNvSpPr txBox="1"/>
+          <p:nvPr/>
+        </p:nvSpPr>
+        <p:spPr>
+          <a:xfrm>
+            <a:off x="97977" y="87611"/>
+            <a:ext cx="3077920" cy="1477328"/>
+          </a:xfrm>
+          <a:prstGeom prst="rect">
+            <a:avLst/>
+          </a:prstGeom>
+          <a:solidFill>
+            <a:schemeClr val="bg1"/>
+          </a:solidFill>
+          <a:ln>
+            <a:solidFill>
+              <a:schemeClr val="tx1"/>
+            </a:solidFill>
+          </a:ln>
+        </p:spPr>
+        <p:txBody>
+          <a:bodyPr wrap="square" rtlCol="0">
+            <a:spAutoFit/>
+          </a:bodyPr>
+          <a:lstStyle/>
+          <a:p>
+            <a:r>
+              <a:rPr lang="en-US" b="1" dirty="0" smtClean="0"/>
+              <a:t>ALS/FTLD gene</a:t>
+            </a:r>
+          </a:p>
+          <a:p>
+            <a:r>
+              <a:rPr lang="en-US" dirty="0" smtClean="0"/>
+              <a:t>Serine</a:t>
+            </a:r>
+            <a:r>
+              <a:rPr lang="en-US" dirty="0"/>
+              <a:t>/threonine kinase that plays an essential role in regulating inflammatory responses to foreign </a:t>
+            </a:r>
+            <a:r>
+              <a:rPr lang="en-US" dirty="0" smtClean="0"/>
+              <a:t>agents </a:t>
+            </a:r>
+            <a:endParaRPr lang="en-US" b="1" dirty="0"/>
+          </a:p>
+        </p:txBody>
+      </p:sp>
+      <p:cxnSp>
+        <p:nvCxnSpPr>
+          <p:cNvPr id="13" name="Straight Arrow Connector 12"/>
+          <p:cNvCxnSpPr>
+            <a:stCxn id="12" idx="3"/>
+          </p:cNvCxnSpPr>
+          <p:nvPr/>
+        </p:nvCxnSpPr>
+        <p:spPr>
+          <a:xfrm>
+            <a:off x="3175897" y="826275"/>
+            <a:ext cx="960199" cy="0"/>
+          </a:xfrm>
+          <a:prstGeom prst="straightConnector1">
+            <a:avLst/>
+          </a:prstGeom>
+          <a:ln w="57150" cmpd="sng">
+            <a:solidFill>
+              <a:srgbClr val="000000"/>
+            </a:solidFill>
+            <a:tailEnd type="arrow"/>
+          </a:ln>
+          <a:effectLst/>
+        </p:spPr>
+        <p:style>
+          <a:lnRef idx="2">
+            <a:schemeClr val="accent1"/>
+          </a:lnRef>
+          <a:fillRef idx="0">
+            <a:schemeClr val="accent1"/>
+          </a:fillRef>
+          <a:effectRef idx="1">
+            <a:schemeClr val="accent1"/>
+          </a:effectRef>
+          <a:fontRef idx="minor">
+            <a:schemeClr val="tx1"/>
+          </a:fontRef>
+        </p:style>
+      </p:cxnSp>
+      <p:sp>
+        <p:nvSpPr>
+          <p:cNvPr id="17" name="TextBox 16"/>
+          <p:cNvSpPr txBox="1"/>
+          <p:nvPr/>
+        </p:nvSpPr>
+        <p:spPr>
+          <a:xfrm>
+            <a:off x="3241928" y="3621176"/>
+            <a:ext cx="3077920" cy="2031325"/>
+          </a:xfrm>
+          <a:prstGeom prst="rect">
+            <a:avLst/>
+          </a:prstGeom>
+          <a:solidFill>
+            <a:schemeClr val="bg1"/>
+          </a:solidFill>
+          <a:ln>
+            <a:solidFill>
+              <a:schemeClr val="tx1"/>
+            </a:solidFill>
+          </a:ln>
+        </p:spPr>
+        <p:txBody>
+          <a:bodyPr wrap="square" rtlCol="0">
+            <a:spAutoFit/>
+          </a:bodyPr>
+          <a:lstStyle/>
+          <a:p>
+            <a:r>
+              <a:rPr lang="en-US" dirty="0"/>
+              <a:t>I</a:t>
+            </a:r>
+            <a:r>
+              <a:rPr lang="en-US" dirty="0" smtClean="0"/>
+              <a:t>nvolved </a:t>
+            </a:r>
+            <a:r>
+              <a:rPr lang="en-US" dirty="0"/>
+              <a:t>in developmentally regulated </a:t>
+            </a:r>
+            <a:r>
+              <a:rPr lang="en-US" b="1" dirty="0"/>
+              <a:t>apoptosis</a:t>
+            </a:r>
+            <a:r>
+              <a:rPr lang="en-US" dirty="0"/>
+              <a:t> and programmed necrosis. Dysfunction of this gene is implicated in several neurological disorders, including </a:t>
+            </a:r>
+            <a:r>
+              <a:rPr lang="en-US" b="1" dirty="0"/>
+              <a:t>Alzheimer's disease</a:t>
+            </a:r>
+          </a:p>
+        </p:txBody>
+      </p:sp>
+      <p:cxnSp>
+        <p:nvCxnSpPr>
+          <p:cNvPr id="18" name="Straight Arrow Connector 17"/>
+          <p:cNvCxnSpPr>
+            <a:stCxn id="8" idx="3"/>
+          </p:cNvCxnSpPr>
+          <p:nvPr/>
+        </p:nvCxnSpPr>
+        <p:spPr>
+          <a:xfrm>
+            <a:off x="3392148" y="3011351"/>
+            <a:ext cx="743948" cy="305917"/>
+          </a:xfrm>
+          <a:prstGeom prst="straightConnector1">
+            <a:avLst/>
+          </a:prstGeom>
+          <a:ln w="57150" cmpd="sng">
+            <a:solidFill>
+              <a:srgbClr val="000000"/>
+            </a:solidFill>
+            <a:tailEnd type="arrow"/>
+          </a:ln>
+          <a:effectLst/>
+        </p:spPr>
+        <p:style>
+          <a:lnRef idx="2">
+            <a:schemeClr val="accent1"/>
+          </a:lnRef>
+          <a:fillRef idx="0">
+            <a:schemeClr val="accent1"/>
+          </a:fillRef>
+          <a:effectRef idx="1">
+            <a:schemeClr val="accent1"/>
+          </a:effectRef>
+          <a:fontRef idx="minor">
+            <a:schemeClr val="tx1"/>
+          </a:fontRef>
+        </p:style>
+      </p:cxnSp>
+      <p:cxnSp>
+        <p:nvCxnSpPr>
+          <p:cNvPr id="21" name="Straight Arrow Connector 20"/>
+          <p:cNvCxnSpPr>
+            <a:stCxn id="17" idx="3"/>
+          </p:cNvCxnSpPr>
+          <p:nvPr/>
+        </p:nvCxnSpPr>
+        <p:spPr>
+          <a:xfrm flipV="1">
+            <a:off x="6319848" y="3959842"/>
+            <a:ext cx="743877" cy="676997"/>
+          </a:xfrm>
+          <a:prstGeom prst="straightConnector1">
+            <a:avLst/>
+          </a:prstGeom>
+          <a:ln w="57150" cmpd="sng">
+            <a:solidFill>
+              <a:srgbClr val="000000"/>
+            </a:solidFill>
+            <a:tailEnd type="arrow"/>
+          </a:ln>
+          <a:effectLst/>
+        </p:spPr>
+        <p:style>
+          <a:lnRef idx="2">
+            <a:schemeClr val="accent1"/>
+          </a:lnRef>
+          <a:fillRef idx="0">
+            <a:schemeClr val="accent1"/>
+          </a:fillRef>
+          <a:effectRef idx="1">
+            <a:schemeClr val="accent1"/>
+          </a:effectRef>
+          <a:fontRef idx="minor">
+            <a:schemeClr val="tx1"/>
+          </a:fontRef>
+        </p:style>
+      </p:cxnSp>
+      <p:sp>
+        <p:nvSpPr>
+          <p:cNvPr id="24" name="TextBox 23"/>
+          <p:cNvSpPr txBox="1"/>
+          <p:nvPr/>
+        </p:nvSpPr>
+        <p:spPr>
+          <a:xfrm>
+            <a:off x="6713608" y="3340168"/>
+            <a:ext cx="2219596" cy="2031325"/>
+          </a:xfrm>
+          <a:prstGeom prst="rect">
+            <a:avLst/>
+          </a:prstGeom>
+          <a:solidFill>
+            <a:schemeClr val="bg1"/>
+          </a:solidFill>
+          <a:ln>
+            <a:solidFill>
+              <a:schemeClr val="tx1"/>
+            </a:solidFill>
+          </a:ln>
+        </p:spPr>
+        <p:txBody>
+          <a:bodyPr wrap="square" rtlCol="0">
+            <a:spAutoFit/>
+          </a:bodyPr>
+          <a:lstStyle/>
+          <a:p>
+            <a:r>
+              <a:rPr lang="en-US" dirty="0"/>
+              <a:t>Tubulin is the major constituent of </a:t>
+            </a:r>
+            <a:r>
+              <a:rPr lang="en-US" dirty="0" smtClean="0"/>
+              <a:t>microtubules. Tubulin is </a:t>
+            </a:r>
+            <a:r>
+              <a:rPr lang="en-US" b="1" dirty="0" smtClean="0"/>
+              <a:t>degraded by </a:t>
+            </a:r>
+            <a:r>
+              <a:rPr lang="en-US" b="1" dirty="0" err="1" smtClean="0"/>
+              <a:t>parkin</a:t>
+            </a:r>
+            <a:r>
+              <a:rPr lang="en-US" b="1" dirty="0" smtClean="0"/>
+              <a:t> in PD leading to misfolded protein</a:t>
+            </a:r>
+            <a:r>
+              <a:rPr lang="en-US" dirty="0" smtClean="0"/>
+              <a:t>. May be toxic. </a:t>
+            </a:r>
+            <a:endParaRPr lang="en-US" b="1" dirty="0"/>
+          </a:p>
+        </p:txBody>
+      </p:sp>
+      <p:cxnSp>
+        <p:nvCxnSpPr>
+          <p:cNvPr id="25" name="Straight Arrow Connector 24"/>
+          <p:cNvCxnSpPr>
+            <a:stCxn id="24" idx="1"/>
+          </p:cNvCxnSpPr>
+          <p:nvPr/>
+        </p:nvCxnSpPr>
+        <p:spPr>
+          <a:xfrm flipH="1" flipV="1">
+            <a:off x="6277700" y="4300748"/>
+            <a:ext cx="435908" cy="55083"/>
+          </a:xfrm>
+          <a:prstGeom prst="straightConnector1">
+            <a:avLst/>
+          </a:prstGeom>
+          <a:ln w="57150" cmpd="sng">
+            <a:solidFill>
+              <a:srgbClr val="000000"/>
+            </a:solidFill>
+            <a:tailEnd type="arrow"/>
+          </a:ln>
+          <a:effectLst/>
+        </p:spPr>
+        <p:style>
+          <a:lnRef idx="2">
+            <a:schemeClr val="accent1"/>
+          </a:lnRef>
+          <a:fillRef idx="0">
+            <a:schemeClr val="accent1"/>
+          </a:fillRef>
+          <a:effectRef idx="1">
+            <a:schemeClr val="accent1"/>
+          </a:effectRef>
+          <a:fontRef idx="minor">
+            <a:schemeClr val="tx1"/>
+          </a:fontRef>
+        </p:style>
+      </p:cxnSp>
+      <p:sp>
+        <p:nvSpPr>
+          <p:cNvPr id="30" name="TextBox 29"/>
+          <p:cNvSpPr txBox="1"/>
+          <p:nvPr/>
+        </p:nvSpPr>
+        <p:spPr>
+          <a:xfrm>
+            <a:off x="3344607" y="717040"/>
+            <a:ext cx="3077920" cy="2308324"/>
+          </a:xfrm>
+          <a:prstGeom prst="rect">
+            <a:avLst/>
+          </a:prstGeom>
+          <a:solidFill>
+            <a:schemeClr val="bg1"/>
+          </a:solidFill>
+          <a:ln>
+            <a:solidFill>
+              <a:schemeClr val="tx1"/>
+            </a:solidFill>
+          </a:ln>
+        </p:spPr>
+        <p:txBody>
+          <a:bodyPr wrap="square" rtlCol="0">
+            <a:spAutoFit/>
+          </a:bodyPr>
+          <a:lstStyle/>
+          <a:p>
+            <a:r>
+              <a:rPr lang="en-US" dirty="0"/>
+              <a:t>Data from studies of human brain tissue and experimental animal models of neuropathological conditions support the hypothesis that the </a:t>
+            </a:r>
+            <a:r>
+              <a:rPr lang="en-US" b="1" dirty="0"/>
+              <a:t>Bcl-2 family regulates cell death in the mature nervous system </a:t>
+            </a:r>
+          </a:p>
+        </p:txBody>
+      </p:sp>
+      <p:cxnSp>
+        <p:nvCxnSpPr>
+          <p:cNvPr id="31" name="Straight Arrow Connector 30"/>
+          <p:cNvCxnSpPr/>
+          <p:nvPr/>
+        </p:nvCxnSpPr>
+        <p:spPr>
+          <a:xfrm flipH="1">
+            <a:off x="4529977" y="3011351"/>
+            <a:ext cx="190164" cy="547366"/>
+          </a:xfrm>
+          <a:prstGeom prst="straightConnector1">
+            <a:avLst/>
+          </a:prstGeom>
+          <a:ln w="57150" cmpd="sng">
+            <a:solidFill>
+              <a:srgbClr val="000000"/>
+            </a:solidFill>
+            <a:tailEnd type="arrow"/>
+          </a:ln>
+          <a:effectLst/>
+        </p:spPr>
+        <p:style>
+          <a:lnRef idx="2">
+            <a:schemeClr val="accent1"/>
+          </a:lnRef>
+          <a:fillRef idx="0">
+            <a:schemeClr val="accent1"/>
+          </a:fillRef>
+          <a:effectRef idx="1">
+            <a:schemeClr val="accent1"/>
+          </a:effectRef>
+          <a:fontRef idx="minor">
+            <a:schemeClr val="tx1"/>
+          </a:fontRef>
+        </p:style>
+      </p:cxnSp>
+    </p:spTree>
+    <p:extLst>
+      <p:ext uri="{BB962C8B-B14F-4D97-AF65-F5344CB8AC3E}">
+        <p14:creationId xmlns:p14="http://schemas.microsoft.com/office/powerpoint/2010/main" val="3423108540"/>
+      </p:ext>
+    </p:extLst>
+  </p:cSld>
+  <p:clrMapOvr>
+    <a:masterClrMapping/>
+  </p:clrMapOvr>
+  <mc:AlternateContent xmlns:mc="http://schemas.openxmlformats.org/markup-compatibility/2006">
+    <mc:Choice xmlns:p14="http://schemas.microsoft.com/office/powerpoint/2010/main" Requires="p14">
+      <p:transition spd="slow" p14:dur="2000"/>
+    </mc:Choice>
+    <mc:Fallback>
+      <p:transition xmlns:p14="http://schemas.microsoft.com/office/powerpoint/2010/main" spd="slow"/>
+    </mc:Fallback>
+  </mc:AlternateContent>
+  <p:timing>
+    <p:tnLst>
+      <p:par>
+        <p:cTn xmlns:p14="http://schemas.microsoft.com/office/powerpoint/2010/main" id="1" dur="indefinite" restart="never" nodeType="tmRoot">
+          <p:childTnLst>
+            <p:seq concurrent="1" nextAc="seek">
+              <p:cTn id="2" dur="indefinite" nodeType="mainSeq">
+                <p:childTnLst>
+                  <p:par>
+                    <p:cTn id="3" fill="hold">
+                      <p:stCondLst>
+                        <p:cond delay="indefinite"/>
+                      </p:stCondLst>
+                      <p:childTnLst>
+                        <p:par>
+                          <p:cTn id="4" fill="hold">
+                            <p:stCondLst>
+                              <p:cond delay="0"/>
+                            </p:stCondLst>
+                            <p:childTnLst>
+                              <p:par>
+                                <p:cTn id="5" presetID="10" presetClass="entr" presetSubtype="0" fill="hold" nodeType="clickEffect">
+                                  <p:stCondLst>
+                                    <p:cond delay="0"/>
+                                  </p:stCondLst>
+                                  <p:childTnLst>
+                                    <p:set>
+                                      <p:cBhvr>
+                                        <p:cTn id="6" dur="1" fill="hold">
+                                          <p:stCondLst>
+                                            <p:cond delay="0"/>
+                                          </p:stCondLst>
+                                        </p:cTn>
+                                        <p:tgtEl>
+                                          <p:spTgt spid="36"/>
+                                        </p:tgtEl>
+                                        <p:attrNameLst>
+                                          <p:attrName>style.visibility</p:attrName>
+                                        </p:attrNameLst>
+                                      </p:cBhvr>
+                                      <p:to>
+                                        <p:strVal val="visible"/>
+                                      </p:to>
+                                    </p:set>
+                                    <p:animEffect transition="in" filter="fade">
+                                      <p:cBhvr>
+                                        <p:cTn id="7" dur="500"/>
+                                        <p:tgtEl>
+                                          <p:spTgt spid="36"/>
+                                        </p:tgtEl>
+                                      </p:cBhvr>
+                                    </p:animEffect>
+                                  </p:childTnLst>
+                                </p:cTn>
+                              </p:par>
+                            </p:childTnLst>
+                          </p:cTn>
+                        </p:par>
+                      </p:childTnLst>
+                    </p:cTn>
+                  </p:par>
+                  <p:par>
+                    <p:cTn id="8" fill="hold">
+                      <p:stCondLst>
+                        <p:cond delay="indefinite"/>
+                      </p:stCondLst>
+                      <p:childTnLst>
+                        <p:par>
+                          <p:cTn id="9" fill="hold">
+                            <p:stCondLst>
+                              <p:cond delay="0"/>
+                            </p:stCondLst>
+                            <p:childTnLst>
+                              <p:par>
+                                <p:cTn id="10" presetID="10" presetClass="exit" presetSubtype="0" fill="hold" nodeType="clickEffect">
+                                  <p:stCondLst>
+                                    <p:cond delay="0"/>
+                                  </p:stCondLst>
+                                  <p:childTnLst>
+                                    <p:animEffect transition="out" filter="fade">
+                                      <p:cBhvr>
+                                        <p:cTn id="11" dur="500"/>
+                                        <p:tgtEl>
+                                          <p:spTgt spid="36"/>
+                                        </p:tgtEl>
+                                      </p:cBhvr>
+                                    </p:animEffect>
+                                    <p:set>
+                                      <p:cBhvr>
+                                        <p:cTn id="12" dur="1" fill="hold">
+                                          <p:stCondLst>
+                                            <p:cond delay="499"/>
+                                          </p:stCondLst>
+                                        </p:cTn>
+                                        <p:tgtEl>
+                                          <p:spTgt spid="36"/>
+                                        </p:tgtEl>
+                                        <p:attrNameLst>
+                                          <p:attrName>style.visibility</p:attrName>
+                                        </p:attrNameLst>
+                                      </p:cBhvr>
+                                      <p:to>
+                                        <p:strVal val="hidden"/>
+                                      </p:to>
+                                    </p:set>
+                                  </p:childTnLst>
+                                </p:cTn>
+                              </p:par>
+                              <p:par>
+                                <p:cTn id="13" presetID="10" presetClass="entr" presetSubtype="0" fill="hold" grpId="0" nodeType="withEffect">
+                                  <p:stCondLst>
+                                    <p:cond delay="0"/>
+                                  </p:stCondLst>
+                                  <p:childTnLst>
+                                    <p:set>
+                                      <p:cBhvr>
+                                        <p:cTn id="14" dur="1" fill="hold">
+                                          <p:stCondLst>
+                                            <p:cond delay="0"/>
+                                          </p:stCondLst>
+                                        </p:cTn>
+                                        <p:tgtEl>
+                                          <p:spTgt spid="8"/>
+                                        </p:tgtEl>
+                                        <p:attrNameLst>
+                                          <p:attrName>style.visibility</p:attrName>
+                                        </p:attrNameLst>
+                                      </p:cBhvr>
+                                      <p:to>
+                                        <p:strVal val="visible"/>
+                                      </p:to>
+                                    </p:set>
+                                    <p:animEffect transition="in" filter="fade">
+                                      <p:cBhvr>
+                                        <p:cTn id="15" dur="500"/>
+                                        <p:tgtEl>
+                                          <p:spTgt spid="8"/>
+                                        </p:tgtEl>
+                                      </p:cBhvr>
+                                    </p:animEffect>
+                                  </p:childTnLst>
+                                </p:cTn>
+                              </p:par>
+                              <p:par>
+                                <p:cTn id="16" presetID="10" presetClass="entr" presetSubtype="0" fill="hold" nodeType="withEffect">
+                                  <p:stCondLst>
+                                    <p:cond delay="0"/>
+                                  </p:stCondLst>
+                                  <p:childTnLst>
+                                    <p:set>
+                                      <p:cBhvr>
+                                        <p:cTn id="17" dur="1" fill="hold">
+                                          <p:stCondLst>
+                                            <p:cond delay="0"/>
+                                          </p:stCondLst>
+                                        </p:cTn>
+                                        <p:tgtEl>
+                                          <p:spTgt spid="18"/>
+                                        </p:tgtEl>
+                                        <p:attrNameLst>
+                                          <p:attrName>style.visibility</p:attrName>
+                                        </p:attrNameLst>
+                                      </p:cBhvr>
+                                      <p:to>
+                                        <p:strVal val="visible"/>
+                                      </p:to>
+                                    </p:set>
+                                    <p:animEffect transition="in" filter="fade">
+                                      <p:cBhvr>
+                                        <p:cTn id="18" dur="500"/>
+                                        <p:tgtEl>
+                                          <p:spTgt spid="18"/>
+                                        </p:tgtEl>
+                                      </p:cBhvr>
+                                    </p:animEffect>
+                                  </p:childTnLst>
+                                </p:cTn>
+                              </p:par>
+                            </p:childTnLst>
+                          </p:cTn>
+                        </p:par>
+                      </p:childTnLst>
+                    </p:cTn>
+                  </p:par>
+                  <p:par>
+                    <p:cTn id="19" fill="hold">
+                      <p:stCondLst>
+                        <p:cond delay="indefinite"/>
+                      </p:stCondLst>
+                      <p:childTnLst>
+                        <p:par>
+                          <p:cTn id="20" fill="hold">
+                            <p:stCondLst>
+                              <p:cond delay="0"/>
+                            </p:stCondLst>
+                            <p:childTnLst>
+                              <p:par>
+                                <p:cTn id="21" presetID="10" presetClass="exit" presetSubtype="0" fill="hold" nodeType="clickEffect">
+                                  <p:stCondLst>
+                                    <p:cond delay="0"/>
+                                  </p:stCondLst>
+                                  <p:childTnLst>
+                                    <p:animEffect transition="out" filter="fade">
+                                      <p:cBhvr>
+                                        <p:cTn id="22" dur="500"/>
+                                        <p:tgtEl>
+                                          <p:spTgt spid="18"/>
+                                        </p:tgtEl>
+                                      </p:cBhvr>
+                                    </p:animEffect>
+                                    <p:set>
+                                      <p:cBhvr>
+                                        <p:cTn id="23" dur="1" fill="hold">
+                                          <p:stCondLst>
+                                            <p:cond delay="499"/>
+                                          </p:stCondLst>
+                                        </p:cTn>
+                                        <p:tgtEl>
+                                          <p:spTgt spid="18"/>
+                                        </p:tgtEl>
+                                        <p:attrNameLst>
+                                          <p:attrName>style.visibility</p:attrName>
+                                        </p:attrNameLst>
+                                      </p:cBhvr>
+                                      <p:to>
+                                        <p:strVal val="hidden"/>
+                                      </p:to>
+                                    </p:set>
+                                  </p:childTnLst>
+                                </p:cTn>
+                              </p:par>
+                              <p:par>
+                                <p:cTn id="24" presetID="10" presetClass="exit" presetSubtype="0" fill="hold" grpId="1" nodeType="withEffect">
+                                  <p:stCondLst>
+                                    <p:cond delay="0"/>
+                                  </p:stCondLst>
+                                  <p:childTnLst>
+                                    <p:animEffect transition="out" filter="fade">
+                                      <p:cBhvr>
+                                        <p:cTn id="25" dur="500"/>
+                                        <p:tgtEl>
+                                          <p:spTgt spid="8"/>
+                                        </p:tgtEl>
+                                      </p:cBhvr>
+                                    </p:animEffect>
+                                    <p:set>
+                                      <p:cBhvr>
+                                        <p:cTn id="26" dur="1" fill="hold">
+                                          <p:stCondLst>
+                                            <p:cond delay="499"/>
+                                          </p:stCondLst>
+                                        </p:cTn>
+                                        <p:tgtEl>
+                                          <p:spTgt spid="8"/>
+                                        </p:tgtEl>
+                                        <p:attrNameLst>
+                                          <p:attrName>style.visibility</p:attrName>
+                                        </p:attrNameLst>
+                                      </p:cBhvr>
+                                      <p:to>
+                                        <p:strVal val="hidden"/>
+                                      </p:to>
+                                    </p:set>
+                                  </p:childTnLst>
+                                </p:cTn>
+                              </p:par>
+                              <p:par>
+                                <p:cTn id="27" presetID="10" presetClass="entr" presetSubtype="0" fill="hold" nodeType="withEffect">
+                                  <p:stCondLst>
+                                    <p:cond delay="0"/>
+                                  </p:stCondLst>
+                                  <p:childTnLst>
+                                    <p:set>
+                                      <p:cBhvr>
+                                        <p:cTn id="28" dur="1" fill="hold">
+                                          <p:stCondLst>
+                                            <p:cond delay="0"/>
+                                          </p:stCondLst>
+                                        </p:cTn>
+                                        <p:tgtEl>
+                                          <p:spTgt spid="13"/>
+                                        </p:tgtEl>
+                                        <p:attrNameLst>
+                                          <p:attrName>style.visibility</p:attrName>
+                                        </p:attrNameLst>
+                                      </p:cBhvr>
+                                      <p:to>
+                                        <p:strVal val="visible"/>
+                                      </p:to>
+                                    </p:set>
+                                    <p:animEffect transition="in" filter="fade">
+                                      <p:cBhvr>
+                                        <p:cTn id="29" dur="500"/>
+                                        <p:tgtEl>
+                                          <p:spTgt spid="13"/>
+                                        </p:tgtEl>
+                                      </p:cBhvr>
+                                    </p:animEffect>
+                                  </p:childTnLst>
+                                </p:cTn>
+                              </p:par>
+                              <p:par>
+                                <p:cTn id="30" presetID="10" presetClass="entr" presetSubtype="0" fill="hold" grpId="0" nodeType="withEffect">
+                                  <p:stCondLst>
+                                    <p:cond delay="0"/>
+                                  </p:stCondLst>
+                                  <p:childTnLst>
+                                    <p:set>
+                                      <p:cBhvr>
+                                        <p:cTn id="31" dur="1" fill="hold">
+                                          <p:stCondLst>
+                                            <p:cond delay="0"/>
+                                          </p:stCondLst>
+                                        </p:cTn>
+                                        <p:tgtEl>
+                                          <p:spTgt spid="12"/>
+                                        </p:tgtEl>
+                                        <p:attrNameLst>
+                                          <p:attrName>style.visibility</p:attrName>
+                                        </p:attrNameLst>
+                                      </p:cBhvr>
+                                      <p:to>
+                                        <p:strVal val="visible"/>
+                                      </p:to>
+                                    </p:set>
+                                    <p:animEffect transition="in" filter="fade">
+                                      <p:cBhvr>
+                                        <p:cTn id="32" dur="500"/>
+                                        <p:tgtEl>
+                                          <p:spTgt spid="12"/>
+                                        </p:tgtEl>
+                                      </p:cBhvr>
+                                    </p:animEffect>
+                                  </p:childTnLst>
+                                </p:cTn>
+                              </p:par>
+                            </p:childTnLst>
+                          </p:cTn>
+                        </p:par>
+                      </p:childTnLst>
+                    </p:cTn>
+                  </p:par>
+                  <p:par>
+                    <p:cTn id="33" fill="hold">
+                      <p:stCondLst>
+                        <p:cond delay="indefinite"/>
+                      </p:stCondLst>
+                      <p:childTnLst>
+                        <p:par>
+                          <p:cTn id="34" fill="hold">
+                            <p:stCondLst>
+                              <p:cond delay="0"/>
+                            </p:stCondLst>
+                            <p:childTnLst>
+                              <p:par>
+                                <p:cTn id="35" presetID="10" presetClass="exit" presetSubtype="0" fill="hold" grpId="1" nodeType="clickEffect">
+                                  <p:stCondLst>
+                                    <p:cond delay="0"/>
+                                  </p:stCondLst>
+                                  <p:childTnLst>
+                                    <p:animEffect transition="out" filter="fade">
+                                      <p:cBhvr>
+                                        <p:cTn id="36" dur="500"/>
+                                        <p:tgtEl>
+                                          <p:spTgt spid="12"/>
+                                        </p:tgtEl>
+                                      </p:cBhvr>
+                                    </p:animEffect>
+                                    <p:set>
+                                      <p:cBhvr>
+                                        <p:cTn id="37" dur="1" fill="hold">
+                                          <p:stCondLst>
+                                            <p:cond delay="499"/>
+                                          </p:stCondLst>
+                                        </p:cTn>
+                                        <p:tgtEl>
+                                          <p:spTgt spid="12"/>
+                                        </p:tgtEl>
+                                        <p:attrNameLst>
+                                          <p:attrName>style.visibility</p:attrName>
+                                        </p:attrNameLst>
+                                      </p:cBhvr>
+                                      <p:to>
+                                        <p:strVal val="hidden"/>
+                                      </p:to>
+                                    </p:set>
+                                  </p:childTnLst>
+                                </p:cTn>
+                              </p:par>
+                              <p:par>
+                                <p:cTn id="38" presetID="10" presetClass="exit" presetSubtype="0" fill="hold" nodeType="withEffect">
+                                  <p:stCondLst>
+                                    <p:cond delay="0"/>
+                                  </p:stCondLst>
+                                  <p:childTnLst>
+                                    <p:animEffect transition="out" filter="fade">
+                                      <p:cBhvr>
+                                        <p:cTn id="39" dur="500"/>
+                                        <p:tgtEl>
+                                          <p:spTgt spid="13"/>
+                                        </p:tgtEl>
+                                      </p:cBhvr>
+                                    </p:animEffect>
+                                    <p:set>
+                                      <p:cBhvr>
+                                        <p:cTn id="40" dur="1" fill="hold">
+                                          <p:stCondLst>
+                                            <p:cond delay="499"/>
+                                          </p:stCondLst>
+                                        </p:cTn>
+                                        <p:tgtEl>
+                                          <p:spTgt spid="13"/>
+                                        </p:tgtEl>
+                                        <p:attrNameLst>
+                                          <p:attrName>style.visibility</p:attrName>
+                                        </p:attrNameLst>
+                                      </p:cBhvr>
+                                      <p:to>
+                                        <p:strVal val="hidden"/>
+                                      </p:to>
+                                    </p:set>
+                                  </p:childTnLst>
+                                </p:cTn>
+                              </p:par>
+                              <p:par>
+                                <p:cTn id="41" presetID="10" presetClass="entr" presetSubtype="0" fill="hold" grpId="0" nodeType="withEffect">
+                                  <p:stCondLst>
+                                    <p:cond delay="0"/>
+                                  </p:stCondLst>
+                                  <p:childTnLst>
+                                    <p:set>
+                                      <p:cBhvr>
+                                        <p:cTn id="42" dur="1" fill="hold">
+                                          <p:stCondLst>
+                                            <p:cond delay="0"/>
+                                          </p:stCondLst>
+                                        </p:cTn>
+                                        <p:tgtEl>
+                                          <p:spTgt spid="17"/>
+                                        </p:tgtEl>
+                                        <p:attrNameLst>
+                                          <p:attrName>style.visibility</p:attrName>
+                                        </p:attrNameLst>
+                                      </p:cBhvr>
+                                      <p:to>
+                                        <p:strVal val="visible"/>
+                                      </p:to>
+                                    </p:set>
+                                    <p:animEffect transition="in" filter="fade">
+                                      <p:cBhvr>
+                                        <p:cTn id="43" dur="500"/>
+                                        <p:tgtEl>
+                                          <p:spTgt spid="17"/>
+                                        </p:tgtEl>
+                                      </p:cBhvr>
+                                    </p:animEffect>
+                                  </p:childTnLst>
+                                </p:cTn>
+                              </p:par>
+                              <p:par>
+                                <p:cTn id="44" presetID="10" presetClass="entr" presetSubtype="0" fill="hold" nodeType="withEffect">
+                                  <p:stCondLst>
+                                    <p:cond delay="0"/>
+                                  </p:stCondLst>
+                                  <p:childTnLst>
+                                    <p:set>
+                                      <p:cBhvr>
+                                        <p:cTn id="45" dur="1" fill="hold">
+                                          <p:stCondLst>
+                                            <p:cond delay="0"/>
+                                          </p:stCondLst>
+                                        </p:cTn>
+                                        <p:tgtEl>
+                                          <p:spTgt spid="21"/>
+                                        </p:tgtEl>
+                                        <p:attrNameLst>
+                                          <p:attrName>style.visibility</p:attrName>
+                                        </p:attrNameLst>
+                                      </p:cBhvr>
+                                      <p:to>
+                                        <p:strVal val="visible"/>
+                                      </p:to>
+                                    </p:set>
+                                    <p:animEffect transition="in" filter="fade">
+                                      <p:cBhvr>
+                                        <p:cTn id="46" dur="500"/>
+                                        <p:tgtEl>
+                                          <p:spTgt spid="21"/>
+                                        </p:tgtEl>
+                                      </p:cBhvr>
+                                    </p:animEffect>
+                                  </p:childTnLst>
+                                </p:cTn>
+                              </p:par>
+                            </p:childTnLst>
+                          </p:cTn>
+                        </p:par>
+                      </p:childTnLst>
+                    </p:cTn>
+                  </p:par>
+                  <p:par>
+                    <p:cTn id="47" fill="hold">
+                      <p:stCondLst>
+                        <p:cond delay="indefinite"/>
+                      </p:stCondLst>
+                      <p:childTnLst>
+                        <p:par>
+                          <p:cTn id="48" fill="hold">
+                            <p:stCondLst>
+                              <p:cond delay="0"/>
+                            </p:stCondLst>
+                            <p:childTnLst>
+                              <p:par>
+                                <p:cTn id="49" presetID="10" presetClass="exit" presetSubtype="0" fill="hold" grpId="1" nodeType="clickEffect">
+                                  <p:stCondLst>
+                                    <p:cond delay="0"/>
+                                  </p:stCondLst>
+                                  <p:childTnLst>
+                                    <p:animEffect transition="out" filter="fade">
+                                      <p:cBhvr>
+                                        <p:cTn id="50" dur="500"/>
+                                        <p:tgtEl>
+                                          <p:spTgt spid="17"/>
+                                        </p:tgtEl>
+                                      </p:cBhvr>
+                                    </p:animEffect>
+                                    <p:set>
+                                      <p:cBhvr>
+                                        <p:cTn id="51" dur="1" fill="hold">
+                                          <p:stCondLst>
+                                            <p:cond delay="499"/>
+                                          </p:stCondLst>
+                                        </p:cTn>
+                                        <p:tgtEl>
+                                          <p:spTgt spid="17"/>
+                                        </p:tgtEl>
+                                        <p:attrNameLst>
+                                          <p:attrName>style.visibility</p:attrName>
+                                        </p:attrNameLst>
+                                      </p:cBhvr>
+                                      <p:to>
+                                        <p:strVal val="hidden"/>
+                                      </p:to>
+                                    </p:set>
+                                  </p:childTnLst>
+                                </p:cTn>
+                              </p:par>
+                              <p:par>
+                                <p:cTn id="52" presetID="10" presetClass="exit" presetSubtype="0" fill="hold" nodeType="withEffect">
+                                  <p:stCondLst>
+                                    <p:cond delay="0"/>
+                                  </p:stCondLst>
+                                  <p:childTnLst>
+                                    <p:animEffect transition="out" filter="fade">
+                                      <p:cBhvr>
+                                        <p:cTn id="53" dur="500"/>
+                                        <p:tgtEl>
+                                          <p:spTgt spid="21"/>
+                                        </p:tgtEl>
+                                      </p:cBhvr>
+                                    </p:animEffect>
+                                    <p:set>
+                                      <p:cBhvr>
+                                        <p:cTn id="54" dur="1" fill="hold">
+                                          <p:stCondLst>
+                                            <p:cond delay="499"/>
+                                          </p:stCondLst>
+                                        </p:cTn>
+                                        <p:tgtEl>
+                                          <p:spTgt spid="21"/>
+                                        </p:tgtEl>
+                                        <p:attrNameLst>
+                                          <p:attrName>style.visibility</p:attrName>
+                                        </p:attrNameLst>
+                                      </p:cBhvr>
+                                      <p:to>
+                                        <p:strVal val="hidden"/>
+                                      </p:to>
+                                    </p:set>
+                                  </p:childTnLst>
+                                </p:cTn>
+                              </p:par>
+                              <p:par>
+                                <p:cTn id="55" presetID="10" presetClass="entr" presetSubtype="0" fill="hold" grpId="0" nodeType="withEffect">
+                                  <p:stCondLst>
+                                    <p:cond delay="0"/>
+                                  </p:stCondLst>
+                                  <p:childTnLst>
+                                    <p:set>
+                                      <p:cBhvr>
+                                        <p:cTn id="56" dur="1" fill="hold">
+                                          <p:stCondLst>
+                                            <p:cond delay="0"/>
+                                          </p:stCondLst>
+                                        </p:cTn>
+                                        <p:tgtEl>
+                                          <p:spTgt spid="24"/>
+                                        </p:tgtEl>
+                                        <p:attrNameLst>
+                                          <p:attrName>style.visibility</p:attrName>
+                                        </p:attrNameLst>
+                                      </p:cBhvr>
+                                      <p:to>
+                                        <p:strVal val="visible"/>
+                                      </p:to>
+                                    </p:set>
+                                    <p:animEffect transition="in" filter="fade">
+                                      <p:cBhvr>
+                                        <p:cTn id="57" dur="500"/>
+                                        <p:tgtEl>
+                                          <p:spTgt spid="24"/>
+                                        </p:tgtEl>
+                                      </p:cBhvr>
+                                    </p:animEffect>
+                                  </p:childTnLst>
+                                </p:cTn>
+                              </p:par>
+                              <p:par>
+                                <p:cTn id="58" presetID="10" presetClass="entr" presetSubtype="0" fill="hold" nodeType="withEffect">
+                                  <p:stCondLst>
+                                    <p:cond delay="0"/>
+                                  </p:stCondLst>
+                                  <p:childTnLst>
+                                    <p:set>
+                                      <p:cBhvr>
+                                        <p:cTn id="59" dur="1" fill="hold">
+                                          <p:stCondLst>
+                                            <p:cond delay="0"/>
+                                          </p:stCondLst>
+                                        </p:cTn>
+                                        <p:tgtEl>
+                                          <p:spTgt spid="25"/>
+                                        </p:tgtEl>
+                                        <p:attrNameLst>
+                                          <p:attrName>style.visibility</p:attrName>
+                                        </p:attrNameLst>
+                                      </p:cBhvr>
+                                      <p:to>
+                                        <p:strVal val="visible"/>
+                                      </p:to>
+                                    </p:set>
+                                    <p:animEffect transition="in" filter="fade">
+                                      <p:cBhvr>
+                                        <p:cTn id="60" dur="500"/>
+                                        <p:tgtEl>
+                                          <p:spTgt spid="25"/>
+                                        </p:tgtEl>
+                                      </p:cBhvr>
+                                    </p:animEffect>
+                                  </p:childTnLst>
+                                </p:cTn>
+                              </p:par>
+                            </p:childTnLst>
+                          </p:cTn>
+                        </p:par>
+                      </p:childTnLst>
+                    </p:cTn>
+                  </p:par>
+                  <p:par>
+                    <p:cTn id="61" fill="hold">
+                      <p:stCondLst>
+                        <p:cond delay="indefinite"/>
+                      </p:stCondLst>
+                      <p:childTnLst>
+                        <p:par>
+                          <p:cTn id="62" fill="hold">
+                            <p:stCondLst>
+                              <p:cond delay="0"/>
+                            </p:stCondLst>
+                            <p:childTnLst>
+                              <p:par>
+                                <p:cTn id="63" presetID="10" presetClass="exit" presetSubtype="0" fill="hold" grpId="1" nodeType="clickEffect">
+                                  <p:stCondLst>
+                                    <p:cond delay="0"/>
+                                  </p:stCondLst>
+                                  <p:childTnLst>
+                                    <p:animEffect transition="out" filter="fade">
+                                      <p:cBhvr>
+                                        <p:cTn id="64" dur="500"/>
+                                        <p:tgtEl>
+                                          <p:spTgt spid="24"/>
+                                        </p:tgtEl>
+                                      </p:cBhvr>
+                                    </p:animEffect>
+                                    <p:set>
+                                      <p:cBhvr>
+                                        <p:cTn id="65" dur="1" fill="hold">
+                                          <p:stCondLst>
+                                            <p:cond delay="499"/>
+                                          </p:stCondLst>
+                                        </p:cTn>
+                                        <p:tgtEl>
+                                          <p:spTgt spid="24"/>
+                                        </p:tgtEl>
+                                        <p:attrNameLst>
+                                          <p:attrName>style.visibility</p:attrName>
+                                        </p:attrNameLst>
+                                      </p:cBhvr>
+                                      <p:to>
+                                        <p:strVal val="hidden"/>
+                                      </p:to>
+                                    </p:set>
+                                  </p:childTnLst>
+                                </p:cTn>
+                              </p:par>
+                              <p:par>
+                                <p:cTn id="66" presetID="10" presetClass="exit" presetSubtype="0" fill="hold" nodeType="withEffect">
+                                  <p:stCondLst>
+                                    <p:cond delay="0"/>
+                                  </p:stCondLst>
+                                  <p:childTnLst>
+                                    <p:animEffect transition="out" filter="fade">
+                                      <p:cBhvr>
+                                        <p:cTn id="67" dur="500"/>
+                                        <p:tgtEl>
+                                          <p:spTgt spid="25"/>
+                                        </p:tgtEl>
+                                      </p:cBhvr>
+                                    </p:animEffect>
+                                    <p:set>
+                                      <p:cBhvr>
+                                        <p:cTn id="68" dur="1" fill="hold">
+                                          <p:stCondLst>
+                                            <p:cond delay="499"/>
+                                          </p:stCondLst>
+                                        </p:cTn>
+                                        <p:tgtEl>
+                                          <p:spTgt spid="25"/>
+                                        </p:tgtEl>
+                                        <p:attrNameLst>
+                                          <p:attrName>style.visibility</p:attrName>
+                                        </p:attrNameLst>
+                                      </p:cBhvr>
+                                      <p:to>
+                                        <p:strVal val="hidden"/>
+                                      </p:to>
+                                    </p:set>
+                                  </p:childTnLst>
+                                </p:cTn>
+                              </p:par>
+                              <p:par>
+                                <p:cTn id="69" presetID="10" presetClass="entr" presetSubtype="0" fill="hold" grpId="0" nodeType="withEffect">
+                                  <p:stCondLst>
+                                    <p:cond delay="0"/>
+                                  </p:stCondLst>
+                                  <p:childTnLst>
+                                    <p:set>
+                                      <p:cBhvr>
+                                        <p:cTn id="70" dur="1" fill="hold">
+                                          <p:stCondLst>
+                                            <p:cond delay="0"/>
+                                          </p:stCondLst>
+                                        </p:cTn>
+                                        <p:tgtEl>
+                                          <p:spTgt spid="30"/>
+                                        </p:tgtEl>
+                                        <p:attrNameLst>
+                                          <p:attrName>style.visibility</p:attrName>
+                                        </p:attrNameLst>
+                                      </p:cBhvr>
+                                      <p:to>
+                                        <p:strVal val="visible"/>
+                                      </p:to>
+                                    </p:set>
+                                    <p:animEffect transition="in" filter="fade">
+                                      <p:cBhvr>
+                                        <p:cTn id="71" dur="500"/>
+                                        <p:tgtEl>
+                                          <p:spTgt spid="30"/>
+                                        </p:tgtEl>
+                                      </p:cBhvr>
+                                    </p:animEffect>
+                                  </p:childTnLst>
+                                </p:cTn>
+                              </p:par>
+                              <p:par>
+                                <p:cTn id="72" presetID="10" presetClass="entr" presetSubtype="0" fill="hold" nodeType="withEffect">
+                                  <p:stCondLst>
+                                    <p:cond delay="0"/>
+                                  </p:stCondLst>
+                                  <p:childTnLst>
+                                    <p:set>
+                                      <p:cBhvr>
+                                        <p:cTn id="73" dur="1" fill="hold">
+                                          <p:stCondLst>
+                                            <p:cond delay="0"/>
+                                          </p:stCondLst>
+                                        </p:cTn>
+                                        <p:tgtEl>
+                                          <p:spTgt spid="31"/>
+                                        </p:tgtEl>
+                                        <p:attrNameLst>
+                                          <p:attrName>style.visibility</p:attrName>
+                                        </p:attrNameLst>
+                                      </p:cBhvr>
+                                      <p:to>
+                                        <p:strVal val="visible"/>
+                                      </p:to>
+                                    </p:set>
+                                    <p:animEffect transition="in" filter="fade">
+                                      <p:cBhvr>
+                                        <p:cTn id="74" dur="500"/>
+                                        <p:tgtEl>
+                                          <p:spTgt spid="31"/>
+                                        </p:tgtEl>
+                                      </p:cBhvr>
+                                    </p:animEffect>
+                                  </p:childTnLst>
+                                </p:cTn>
+                              </p:par>
+                            </p:childTnLst>
+                          </p:cTn>
+                        </p:par>
+                      </p:childTnLst>
+                    </p:cTn>
+                  </p:par>
+                </p:childTnLst>
+              </p:cTn>
+              <p:prevCondLst>
+                <p:cond evt="onPrev" delay="0">
+                  <p:tgtEl>
+                    <p:sldTgt/>
+                  </p:tgtEl>
+                </p:cond>
+              </p:prevCondLst>
+              <p:nextCondLst>
+                <p:cond evt="onNext" delay="0">
+                  <p:tgtEl>
+                    <p:sldTgt/>
+                  </p:tgtEl>
+                </p:cond>
+              </p:nextCondLst>
+            </p:seq>
+          </p:childTnLst>
+        </p:cTn>
+      </p:par>
+    </p:tnLst>
+    <p:bldLst>
+      <p:bldP spid="8" grpId="0" animBg="1"/>
+      <p:bldP spid="8" grpId="1" animBg="1"/>
+      <p:bldP spid="12" grpId="0" animBg="1"/>
+      <p:bldP spid="12" grpId="1" animBg="1"/>
+      <p:bldP spid="17" grpId="0" animBg="1"/>
+      <p:bldP spid="17" grpId="1" animBg="1"/>
+      <p:bldP spid="24" grpId="0" animBg="1"/>
+      <p:bldP spid="24" grpId="1" animBg="1"/>
+      <p:bldP spid="30" grpId="0" animBg="1"/>
+    </p:bldLst>
+  </p:timing>
+</p:sld>
+</file>
+
+<file path=ppt/slides/slide13.xml><?xml version="1.0" encoding="utf-8"?>
+<p:sld xmlns:a="http://schemas.openxmlformats.org/drawingml/2006/main" xmlns:r="http://schemas.openxmlformats.org/officeDocument/2006/relationships" xmlns:p="http://schemas.openxmlformats.org/presentationml/2006/main">
+  <p:cSld>
+    <p:spTree>
+      <p:nvGrpSpPr>
+        <p:cNvPr id="1" name=""/>
+        <p:cNvGrpSpPr/>
+        <p:nvPr/>
+      </p:nvGrpSpPr>
+      <p:grpSpPr>
+        <a:xfrm>
+          <a:off x="0" y="0"/>
+          <a:ext cx="0" cy="0"/>
+          <a:chOff x="0" y="0"/>
+          <a:chExt cx="0" cy="0"/>
+        </a:xfrm>
+      </p:grpSpPr>
       <p:sp>
         <p:nvSpPr>
           <p:cNvPr id="2" name="Title 1"/>
@@ -4411,7 +6306,7 @@
 </p:sld>
 </file>
 
-<file path=ppt/slides/slide11.xml><?xml version="1.0" encoding="utf-8"?>
+<file path=ppt/slides/slide14.xml><?xml version="1.0" encoding="utf-8"?>
 <p:sld xmlns:a="http://schemas.openxmlformats.org/drawingml/2006/main" xmlns:r="http://schemas.openxmlformats.org/officeDocument/2006/relationships" xmlns:p="http://schemas.openxmlformats.org/presentationml/2006/main">
   <p:cSld>
     <p:spTree>
@@ -4501,7 +6396,7 @@
 </p:sld>
 </file>
 
-<file path=ppt/slides/slide12.xml><?xml version="1.0" encoding="utf-8"?>
+<file path=ppt/slides/slide15.xml><?xml version="1.0" encoding="utf-8"?>
 <p:sld xmlns:a="http://schemas.openxmlformats.org/drawingml/2006/main" xmlns:r="http://schemas.openxmlformats.org/officeDocument/2006/relationships" xmlns:p="http://schemas.openxmlformats.org/presentationml/2006/main">
   <p:cSld>
     <p:bg>
@@ -4574,7 +6469,7 @@
         </p:spPr>
         <p:txBody>
           <a:bodyPr>
-            <a:normAutofit fontScale="90000"/>
+            <a:normAutofit/>
           </a:bodyPr>
           <a:lstStyle/>
           <a:p>
@@ -4584,23 +6479,7 @@
                   <a:srgbClr val="FFFFFF"/>
                 </a:solidFill>
               </a:rPr>
-              <a:t>Union of PPI network and </a:t>
-            </a:r>
-            <a:r>
-              <a:rPr lang="en-US" dirty="0" err="1" smtClean="0">
-                <a:solidFill>
-                  <a:srgbClr val="FFFFFF"/>
-                </a:solidFill>
-              </a:rPr>
-              <a:t>CoX</a:t>
-            </a:r>
-            <a:r>
-              <a:rPr lang="en-US" dirty="0" smtClean="0">
-                <a:solidFill>
-                  <a:srgbClr val="FFFFFF"/>
-                </a:solidFill>
-              </a:rPr>
-              <a:t> module</a:t>
+              <a:t>Union of PPI network and module</a:t>
             </a:r>
             <a:endParaRPr lang="en-US" dirty="0">
               <a:solidFill>
@@ -4630,7 +6509,7 @@
 </p:sld>
 </file>
 
-<file path=ppt/slides/slide13.xml><?xml version="1.0" encoding="utf-8"?>
+<file path=ppt/slides/slide16.xml><?xml version="1.0" encoding="utf-8"?>
 <p:sld xmlns:a="http://schemas.openxmlformats.org/drawingml/2006/main" xmlns:r="http://schemas.openxmlformats.org/officeDocument/2006/relationships" xmlns:p="http://schemas.openxmlformats.org/presentationml/2006/main">
   <p:cSld>
     <p:spTree>
@@ -4710,6 +6589,13 @@
   <p:clrMapOvr>
     <a:masterClrMapping/>
   </p:clrMapOvr>
+  <p:timing>
+    <p:tnLst>
+      <p:par>
+        <p:cTn xmlns:p14="http://schemas.microsoft.com/office/powerpoint/2010/main" id="1" dur="indefinite" restart="never" nodeType="tmRoot"/>
+      </p:par>
+    </p:tnLst>
+  </p:timing>
 </p:sld>
 </file>
 
@@ -7968,7 +9854,7 @@
       </p:grpSpPr>
       <p:pic>
         <p:nvPicPr>
-          <p:cNvPr id="15" name="Picture 14" descr="Group1.1.pdf"/>
+          <p:cNvPr id="18" name="Picture 17" descr="G1.1.pdf"/>
           <p:cNvPicPr>
             <a:picLocks noChangeAspect="1"/>
           </p:cNvPicPr>
@@ -7988,8 +9874,8 @@
         </p:blipFill>
         <p:spPr>
           <a:xfrm>
-            <a:off x="0" y="0"/>
-            <a:ext cx="9048914" cy="5758400"/>
+            <a:off x="278482" y="36990"/>
+            <a:ext cx="8512432" cy="5773650"/>
           </a:xfrm>
           <a:prstGeom prst="rect">
             <a:avLst/>
@@ -8035,14 +9921,14 @@
       </p:grpSpPr>
       <p:pic>
         <p:nvPicPr>
-          <p:cNvPr id="4" name="Picture 3" descr="Group1.1.pdf"/>
+          <p:cNvPr id="2" name="Picture 1" descr="G1.1_DEGs.pdf"/>
           <p:cNvPicPr>
             <a:picLocks noChangeAspect="1"/>
           </p:cNvPicPr>
           <p:nvPr/>
         </p:nvPicPr>
         <p:blipFill>
-          <a:blip r:embed="rId2">
+          <a:blip r:embed="rId3">
             <a:extLst>
               <a:ext uri="{28A0092B-C50C-407E-A947-70E740481C1C}">
                 <a14:useLocalDpi xmlns:a14="http://schemas.microsoft.com/office/drawing/2010/main" val="0"/>
@@ -8055,613 +9941,18 @@
         </p:blipFill>
         <p:spPr>
           <a:xfrm>
-            <a:off x="0" y="0"/>
-            <a:ext cx="9048914" cy="5758400"/>
+            <a:off x="369884" y="49320"/>
+            <a:ext cx="8142548" cy="5585534"/>
           </a:xfrm>
           <a:prstGeom prst="rect">
             <a:avLst/>
           </a:prstGeom>
         </p:spPr>
       </p:pic>
-      <p:grpSp>
-        <p:nvGrpSpPr>
-          <p:cNvPr id="36" name="Group 35"/>
-          <p:cNvGrpSpPr/>
-          <p:nvPr/>
-        </p:nvGrpSpPr>
-        <p:grpSpPr>
-          <a:xfrm>
-            <a:off x="4645434" y="373529"/>
-            <a:ext cx="4423898" cy="2862323"/>
-            <a:chOff x="4645434" y="373529"/>
-            <a:chExt cx="4423898" cy="2862323"/>
-          </a:xfrm>
-        </p:grpSpPr>
-        <p:sp>
-          <p:nvSpPr>
-            <p:cNvPr id="5" name="TextBox 4"/>
-            <p:cNvSpPr txBox="1"/>
-            <p:nvPr/>
-          </p:nvSpPr>
-          <p:spPr>
-            <a:xfrm>
-              <a:off x="5991412" y="373529"/>
-              <a:ext cx="3077920" cy="2862323"/>
-            </a:xfrm>
-            <a:prstGeom prst="rect">
-              <a:avLst/>
-            </a:prstGeom>
-            <a:solidFill>
-              <a:schemeClr val="bg1"/>
-            </a:solidFill>
-            <a:ln>
-              <a:solidFill>
-                <a:schemeClr val="tx1"/>
-              </a:solidFill>
-            </a:ln>
-          </p:spPr>
-          <p:txBody>
-            <a:bodyPr wrap="square" rtlCol="0">
-              <a:spAutoFit/>
-            </a:bodyPr>
-            <a:lstStyle/>
-            <a:p>
-              <a:r>
-                <a:rPr lang="en-US" dirty="0" smtClean="0"/>
-                <a:t>Component of the 26S proteasome, a multiprotein complex involved in </a:t>
-              </a:r>
-              <a:r>
-                <a:rPr lang="en-US" b="1" dirty="0"/>
-                <a:t>the ATP-dependent degradation of ubiquitinated proteins</a:t>
-              </a:r>
-              <a:r>
-                <a:rPr lang="en-US" dirty="0" smtClean="0"/>
-                <a:t>. This complex plays a key role in the maintenance of protein homeostasis by </a:t>
-              </a:r>
-              <a:r>
-                <a:rPr lang="en-US" b="1" dirty="0" smtClean="0"/>
-                <a:t>removing misfolded or damaged </a:t>
-              </a:r>
-              <a:r>
-                <a:rPr lang="en-US" b="1" dirty="0" smtClean="0"/>
-                <a:t>proteins</a:t>
-              </a:r>
-              <a:endParaRPr lang="en-US" dirty="0"/>
-            </a:p>
-          </p:txBody>
-        </p:sp>
-        <p:cxnSp>
-          <p:nvCxnSpPr>
-            <p:cNvPr id="6" name="Straight Arrow Connector 5"/>
-            <p:cNvCxnSpPr>
-              <a:stCxn id="5" idx="1"/>
-            </p:cNvCxnSpPr>
-            <p:nvPr/>
-          </p:nvCxnSpPr>
-          <p:spPr>
-            <a:xfrm flipH="1">
-              <a:off x="4645434" y="1804691"/>
-              <a:ext cx="1345978" cy="653812"/>
-            </a:xfrm>
-            <a:prstGeom prst="straightConnector1">
-              <a:avLst/>
-            </a:prstGeom>
-            <a:ln w="57150" cmpd="sng">
-              <a:solidFill>
-                <a:srgbClr val="000000"/>
-              </a:solidFill>
-              <a:tailEnd type="arrow"/>
-            </a:ln>
-            <a:effectLst/>
-          </p:spPr>
-          <p:style>
-            <a:lnRef idx="2">
-              <a:schemeClr val="accent1"/>
-            </a:lnRef>
-            <a:fillRef idx="0">
-              <a:schemeClr val="accent1"/>
-            </a:fillRef>
-            <a:effectRef idx="1">
-              <a:schemeClr val="accent1"/>
-            </a:effectRef>
-            <a:fontRef idx="minor">
-              <a:schemeClr val="tx1"/>
-            </a:fontRef>
-          </p:style>
-        </p:cxnSp>
-      </p:grpSp>
-      <p:sp>
-        <p:nvSpPr>
-          <p:cNvPr id="8" name="TextBox 7"/>
-          <p:cNvSpPr txBox="1"/>
-          <p:nvPr/>
-        </p:nvSpPr>
-        <p:spPr>
-          <a:xfrm>
-            <a:off x="314228" y="1857189"/>
-            <a:ext cx="3077920" cy="2308324"/>
-          </a:xfrm>
-          <a:prstGeom prst="rect">
-            <a:avLst/>
-          </a:prstGeom>
-          <a:solidFill>
-            <a:schemeClr val="bg1"/>
-          </a:solidFill>
-          <a:ln>
-            <a:solidFill>
-              <a:schemeClr val="tx1"/>
-            </a:solidFill>
-          </a:ln>
-        </p:spPr>
-        <p:txBody>
-          <a:bodyPr wrap="square" rtlCol="0">
-            <a:spAutoFit/>
-          </a:bodyPr>
-          <a:lstStyle/>
-          <a:p>
-            <a:r>
-              <a:rPr lang="en-US" dirty="0" smtClean="0"/>
-              <a:t>Acts as component of the </a:t>
-            </a:r>
-            <a:r>
-              <a:rPr lang="en-US" b="1" dirty="0" err="1" smtClean="0"/>
-              <a:t>retromer</a:t>
-            </a:r>
-            <a:r>
-              <a:rPr lang="en-US" dirty="0" smtClean="0"/>
-              <a:t> </a:t>
-            </a:r>
-            <a:r>
-              <a:rPr lang="en-US" b="1" dirty="0" smtClean="0"/>
-              <a:t>cargo-selective complex (CSC)</a:t>
-            </a:r>
-            <a:r>
-              <a:rPr lang="en-US" dirty="0" smtClean="0"/>
-              <a:t>. The CSC </a:t>
-            </a:r>
-            <a:r>
-              <a:rPr lang="en-US" dirty="0" smtClean="0"/>
-              <a:t>is</a:t>
-            </a:r>
-            <a:r>
-              <a:rPr lang="mr-IN" dirty="0" smtClean="0"/>
-              <a:t>…</a:t>
-            </a:r>
-            <a:r>
-              <a:rPr lang="en-US" dirty="0" smtClean="0"/>
-              <a:t>acting </a:t>
-            </a:r>
-            <a:r>
-              <a:rPr lang="en-US" dirty="0" smtClean="0"/>
-              <a:t>to </a:t>
-            </a:r>
-            <a:r>
-              <a:rPr lang="en-US" b="1" dirty="0" smtClean="0"/>
-              <a:t>prevent </a:t>
-            </a:r>
-            <a:r>
-              <a:rPr lang="en-US" b="1" dirty="0" err="1" smtClean="0"/>
-              <a:t>missorting</a:t>
-            </a:r>
-            <a:r>
-              <a:rPr lang="en-US" b="1" dirty="0" smtClean="0"/>
-              <a:t> of selected transmembrane cargo proteins into the </a:t>
-            </a:r>
-            <a:r>
-              <a:rPr lang="en-US" b="1" dirty="0" err="1" smtClean="0"/>
-              <a:t>lysosomal</a:t>
-            </a:r>
-            <a:r>
-              <a:rPr lang="en-US" b="1" dirty="0" smtClean="0"/>
-              <a:t> degradation pathway</a:t>
-            </a:r>
-            <a:endParaRPr lang="en-US" b="1" dirty="0"/>
-          </a:p>
-        </p:txBody>
-      </p:sp>
-      <p:sp>
-        <p:nvSpPr>
-          <p:cNvPr id="12" name="TextBox 11"/>
-          <p:cNvSpPr txBox="1"/>
-          <p:nvPr/>
-        </p:nvSpPr>
-        <p:spPr>
-          <a:xfrm>
-            <a:off x="97977" y="87611"/>
-            <a:ext cx="3077920" cy="1477328"/>
-          </a:xfrm>
-          <a:prstGeom prst="rect">
-            <a:avLst/>
-          </a:prstGeom>
-          <a:solidFill>
-            <a:schemeClr val="bg1"/>
-          </a:solidFill>
-          <a:ln>
-            <a:solidFill>
-              <a:schemeClr val="tx1"/>
-            </a:solidFill>
-          </a:ln>
-        </p:spPr>
-        <p:txBody>
-          <a:bodyPr wrap="square" rtlCol="0">
-            <a:spAutoFit/>
-          </a:bodyPr>
-          <a:lstStyle/>
-          <a:p>
-            <a:r>
-              <a:rPr lang="en-US" b="1" dirty="0" smtClean="0"/>
-              <a:t>ALS/FTLD gene</a:t>
-            </a:r>
-          </a:p>
-          <a:p>
-            <a:r>
-              <a:rPr lang="en-US" dirty="0" smtClean="0"/>
-              <a:t>Serine</a:t>
-            </a:r>
-            <a:r>
-              <a:rPr lang="en-US" dirty="0"/>
-              <a:t>/threonine kinase that plays an essential role in regulating inflammatory responses to foreign </a:t>
-            </a:r>
-            <a:r>
-              <a:rPr lang="en-US" dirty="0" smtClean="0"/>
-              <a:t>agents </a:t>
-            </a:r>
-            <a:endParaRPr lang="en-US" b="1" dirty="0"/>
-          </a:p>
-        </p:txBody>
-      </p:sp>
-      <p:cxnSp>
-        <p:nvCxnSpPr>
-          <p:cNvPr id="13" name="Straight Arrow Connector 12"/>
-          <p:cNvCxnSpPr>
-            <a:stCxn id="12" idx="3"/>
-          </p:cNvCxnSpPr>
-          <p:nvPr/>
-        </p:nvCxnSpPr>
-        <p:spPr>
-          <a:xfrm>
-            <a:off x="3175897" y="826275"/>
-            <a:ext cx="960199" cy="0"/>
-          </a:xfrm>
-          <a:prstGeom prst="straightConnector1">
-            <a:avLst/>
-          </a:prstGeom>
-          <a:ln w="57150" cmpd="sng">
-            <a:solidFill>
-              <a:srgbClr val="000000"/>
-            </a:solidFill>
-            <a:tailEnd type="arrow"/>
-          </a:ln>
-          <a:effectLst/>
-        </p:spPr>
-        <p:style>
-          <a:lnRef idx="2">
-            <a:schemeClr val="accent1"/>
-          </a:lnRef>
-          <a:fillRef idx="0">
-            <a:schemeClr val="accent1"/>
-          </a:fillRef>
-          <a:effectRef idx="1">
-            <a:schemeClr val="accent1"/>
-          </a:effectRef>
-          <a:fontRef idx="minor">
-            <a:schemeClr val="tx1"/>
-          </a:fontRef>
-        </p:style>
-      </p:cxnSp>
-      <p:sp>
-        <p:nvSpPr>
-          <p:cNvPr id="17" name="TextBox 16"/>
-          <p:cNvSpPr txBox="1"/>
-          <p:nvPr/>
-        </p:nvSpPr>
-        <p:spPr>
-          <a:xfrm>
-            <a:off x="3241928" y="3621176"/>
-            <a:ext cx="3077920" cy="2031325"/>
-          </a:xfrm>
-          <a:prstGeom prst="rect">
-            <a:avLst/>
-          </a:prstGeom>
-          <a:solidFill>
-            <a:schemeClr val="bg1"/>
-          </a:solidFill>
-          <a:ln>
-            <a:solidFill>
-              <a:schemeClr val="tx1"/>
-            </a:solidFill>
-          </a:ln>
-        </p:spPr>
-        <p:txBody>
-          <a:bodyPr wrap="square" rtlCol="0">
-            <a:spAutoFit/>
-          </a:bodyPr>
-          <a:lstStyle/>
-          <a:p>
-            <a:r>
-              <a:rPr lang="en-US" dirty="0"/>
-              <a:t>I</a:t>
-            </a:r>
-            <a:r>
-              <a:rPr lang="en-US" dirty="0" smtClean="0"/>
-              <a:t>nvolved </a:t>
-            </a:r>
-            <a:r>
-              <a:rPr lang="en-US" dirty="0"/>
-              <a:t>in developmentally regulated </a:t>
-            </a:r>
-            <a:r>
-              <a:rPr lang="en-US" b="1" dirty="0"/>
-              <a:t>apoptosis</a:t>
-            </a:r>
-            <a:r>
-              <a:rPr lang="en-US" dirty="0"/>
-              <a:t> and programmed necrosis. Dysfunction of this gene is implicated in several neurological disorders, including </a:t>
-            </a:r>
-            <a:r>
-              <a:rPr lang="en-US" b="1" dirty="0"/>
-              <a:t>Alzheimer's disease</a:t>
-            </a:r>
-            <a:endParaRPr lang="en-US" b="1" dirty="0"/>
-          </a:p>
-        </p:txBody>
-      </p:sp>
-      <p:cxnSp>
-        <p:nvCxnSpPr>
-          <p:cNvPr id="18" name="Straight Arrow Connector 17"/>
-          <p:cNvCxnSpPr>
-            <a:stCxn id="8" idx="3"/>
-          </p:cNvCxnSpPr>
-          <p:nvPr/>
-        </p:nvCxnSpPr>
-        <p:spPr>
-          <a:xfrm>
-            <a:off x="3392148" y="3011351"/>
-            <a:ext cx="743948" cy="305917"/>
-          </a:xfrm>
-          <a:prstGeom prst="straightConnector1">
-            <a:avLst/>
-          </a:prstGeom>
-          <a:ln w="57150" cmpd="sng">
-            <a:solidFill>
-              <a:srgbClr val="000000"/>
-            </a:solidFill>
-            <a:tailEnd type="arrow"/>
-          </a:ln>
-          <a:effectLst/>
-        </p:spPr>
-        <p:style>
-          <a:lnRef idx="2">
-            <a:schemeClr val="accent1"/>
-          </a:lnRef>
-          <a:fillRef idx="0">
-            <a:schemeClr val="accent1"/>
-          </a:fillRef>
-          <a:effectRef idx="1">
-            <a:schemeClr val="accent1"/>
-          </a:effectRef>
-          <a:fontRef idx="minor">
-            <a:schemeClr val="tx1"/>
-          </a:fontRef>
-        </p:style>
-      </p:cxnSp>
-      <p:cxnSp>
-        <p:nvCxnSpPr>
-          <p:cNvPr id="21" name="Straight Arrow Connector 20"/>
-          <p:cNvCxnSpPr>
-            <a:stCxn id="17" idx="3"/>
-          </p:cNvCxnSpPr>
-          <p:nvPr/>
-        </p:nvCxnSpPr>
-        <p:spPr>
-          <a:xfrm flipV="1">
-            <a:off x="6319848" y="3959842"/>
-            <a:ext cx="743877" cy="676997"/>
-          </a:xfrm>
-          <a:prstGeom prst="straightConnector1">
-            <a:avLst/>
-          </a:prstGeom>
-          <a:ln w="57150" cmpd="sng">
-            <a:solidFill>
-              <a:srgbClr val="000000"/>
-            </a:solidFill>
-            <a:tailEnd type="arrow"/>
-          </a:ln>
-          <a:effectLst/>
-        </p:spPr>
-        <p:style>
-          <a:lnRef idx="2">
-            <a:schemeClr val="accent1"/>
-          </a:lnRef>
-          <a:fillRef idx="0">
-            <a:schemeClr val="accent1"/>
-          </a:fillRef>
-          <a:effectRef idx="1">
-            <a:schemeClr val="accent1"/>
-          </a:effectRef>
-          <a:fontRef idx="minor">
-            <a:schemeClr val="tx1"/>
-          </a:fontRef>
-        </p:style>
-      </p:cxnSp>
-      <p:sp>
-        <p:nvSpPr>
-          <p:cNvPr id="24" name="TextBox 23"/>
-          <p:cNvSpPr txBox="1"/>
-          <p:nvPr/>
-        </p:nvSpPr>
-        <p:spPr>
-          <a:xfrm>
-            <a:off x="6713608" y="3340168"/>
-            <a:ext cx="2219596" cy="2031325"/>
-          </a:xfrm>
-          <a:prstGeom prst="rect">
-            <a:avLst/>
-          </a:prstGeom>
-          <a:solidFill>
-            <a:schemeClr val="bg1"/>
-          </a:solidFill>
-          <a:ln>
-            <a:solidFill>
-              <a:schemeClr val="tx1"/>
-            </a:solidFill>
-          </a:ln>
-        </p:spPr>
-        <p:txBody>
-          <a:bodyPr wrap="square" rtlCol="0">
-            <a:spAutoFit/>
-          </a:bodyPr>
-          <a:lstStyle/>
-          <a:p>
-            <a:r>
-              <a:rPr lang="en-US" dirty="0"/>
-              <a:t>Tubulin is the major constituent of </a:t>
-            </a:r>
-            <a:r>
-              <a:rPr lang="en-US" dirty="0" smtClean="0"/>
-              <a:t>microtubules. Tubulin is </a:t>
-            </a:r>
-            <a:r>
-              <a:rPr lang="en-US" b="1" dirty="0" smtClean="0"/>
-              <a:t>degraded by </a:t>
-            </a:r>
-            <a:r>
-              <a:rPr lang="en-US" b="1" dirty="0" err="1" smtClean="0"/>
-              <a:t>parkin</a:t>
-            </a:r>
-            <a:r>
-              <a:rPr lang="en-US" b="1" dirty="0" smtClean="0"/>
-              <a:t> in PD leading to misfolded protein</a:t>
-            </a:r>
-            <a:r>
-              <a:rPr lang="en-US" dirty="0" smtClean="0"/>
-              <a:t>. May be toxic. </a:t>
-            </a:r>
-            <a:endParaRPr lang="en-US" b="1" dirty="0"/>
-          </a:p>
-        </p:txBody>
-      </p:sp>
-      <p:cxnSp>
-        <p:nvCxnSpPr>
-          <p:cNvPr id="25" name="Straight Arrow Connector 24"/>
-          <p:cNvCxnSpPr>
-            <a:stCxn id="24" idx="1"/>
-          </p:cNvCxnSpPr>
-          <p:nvPr/>
-        </p:nvCxnSpPr>
-        <p:spPr>
-          <a:xfrm flipH="1" flipV="1">
-            <a:off x="6277700" y="4300748"/>
-            <a:ext cx="435908" cy="55083"/>
-          </a:xfrm>
-          <a:prstGeom prst="straightConnector1">
-            <a:avLst/>
-          </a:prstGeom>
-          <a:ln w="57150" cmpd="sng">
-            <a:solidFill>
-              <a:srgbClr val="000000"/>
-            </a:solidFill>
-            <a:tailEnd type="arrow"/>
-          </a:ln>
-          <a:effectLst/>
-        </p:spPr>
-        <p:style>
-          <a:lnRef idx="2">
-            <a:schemeClr val="accent1"/>
-          </a:lnRef>
-          <a:fillRef idx="0">
-            <a:schemeClr val="accent1"/>
-          </a:fillRef>
-          <a:effectRef idx="1">
-            <a:schemeClr val="accent1"/>
-          </a:effectRef>
-          <a:fontRef idx="minor">
-            <a:schemeClr val="tx1"/>
-          </a:fontRef>
-        </p:style>
-      </p:cxnSp>
-      <p:sp>
-        <p:nvSpPr>
-          <p:cNvPr id="30" name="TextBox 29"/>
-          <p:cNvSpPr txBox="1"/>
-          <p:nvPr/>
-        </p:nvSpPr>
-        <p:spPr>
-          <a:xfrm>
-            <a:off x="3344607" y="717040"/>
-            <a:ext cx="3077920" cy="2308324"/>
-          </a:xfrm>
-          <a:prstGeom prst="rect">
-            <a:avLst/>
-          </a:prstGeom>
-          <a:solidFill>
-            <a:schemeClr val="bg1"/>
-          </a:solidFill>
-          <a:ln>
-            <a:solidFill>
-              <a:schemeClr val="tx1"/>
-            </a:solidFill>
-          </a:ln>
-        </p:spPr>
-        <p:txBody>
-          <a:bodyPr wrap="square" rtlCol="0">
-            <a:spAutoFit/>
-          </a:bodyPr>
-          <a:lstStyle/>
-          <a:p>
-            <a:r>
-              <a:rPr lang="en-US" dirty="0"/>
-              <a:t>Data from studies of human brain tissue and experimental animal models of neuropathological conditions support the hypothesis that the </a:t>
-            </a:r>
-            <a:r>
-              <a:rPr lang="en-US" b="1" dirty="0"/>
-              <a:t>Bcl-2 family regulates cell death in the mature nervous system </a:t>
-            </a:r>
-            <a:endParaRPr lang="en-US" b="1" dirty="0"/>
-          </a:p>
-        </p:txBody>
-      </p:sp>
-      <p:cxnSp>
-        <p:nvCxnSpPr>
-          <p:cNvPr id="31" name="Straight Arrow Connector 30"/>
-          <p:cNvCxnSpPr/>
-          <p:nvPr/>
-        </p:nvCxnSpPr>
-        <p:spPr>
-          <a:xfrm flipH="1">
-            <a:off x="4529977" y="3011351"/>
-            <a:ext cx="190164" cy="547366"/>
-          </a:xfrm>
-          <a:prstGeom prst="straightConnector1">
-            <a:avLst/>
-          </a:prstGeom>
-          <a:ln w="57150" cmpd="sng">
-            <a:solidFill>
-              <a:srgbClr val="000000"/>
-            </a:solidFill>
-            <a:tailEnd type="arrow"/>
-          </a:ln>
-          <a:effectLst/>
-        </p:spPr>
-        <p:style>
-          <a:lnRef idx="2">
-            <a:schemeClr val="accent1"/>
-          </a:lnRef>
-          <a:fillRef idx="0">
-            <a:schemeClr val="accent1"/>
-          </a:fillRef>
-          <a:effectRef idx="1">
-            <a:schemeClr val="accent1"/>
-          </a:effectRef>
-          <a:fontRef idx="minor">
-            <a:schemeClr val="tx1"/>
-          </a:fontRef>
-        </p:style>
-      </p:cxnSp>
     </p:spTree>
     <p:extLst>
       <p:ext uri="{BB962C8B-B14F-4D97-AF65-F5344CB8AC3E}">
-        <p14:creationId xmlns:p14="http://schemas.microsoft.com/office/powerpoint/2010/main" val="3423108540"/>
+        <p14:creationId xmlns:p14="http://schemas.microsoft.com/office/powerpoint/2010/main" val="1454949611"/>
       </p:ext>
     </p:extLst>
   </p:cSld>
@@ -8671,851 +9962,9 @@
   <p:timing>
     <p:tnLst>
       <p:par>
-        <p:cTn xmlns:p14="http://schemas.microsoft.com/office/powerpoint/2010/main" id="1" dur="indefinite" restart="never" nodeType="tmRoot">
-          <p:childTnLst>
-            <p:seq concurrent="1" nextAc="seek">
-              <p:cTn id="2" dur="indefinite" nodeType="mainSeq">
-                <p:childTnLst>
-                  <p:par>
-                    <p:cTn id="3" fill="hold">
-                      <p:stCondLst>
-                        <p:cond delay="indefinite"/>
-                      </p:stCondLst>
-                      <p:childTnLst>
-                        <p:par>
-                          <p:cTn id="4" fill="hold">
-                            <p:stCondLst>
-                              <p:cond delay="0"/>
-                            </p:stCondLst>
-                            <p:childTnLst>
-                              <p:par>
-                                <p:cTn id="5" presetID="10" presetClass="entr" presetSubtype="0" fill="hold" nodeType="clickEffect">
-                                  <p:stCondLst>
-                                    <p:cond delay="0"/>
-                                  </p:stCondLst>
-                                  <p:childTnLst>
-                                    <p:set>
-                                      <p:cBhvr>
-                                        <p:cTn id="6" dur="1" fill="hold">
-                                          <p:stCondLst>
-                                            <p:cond delay="0"/>
-                                          </p:stCondLst>
-                                        </p:cTn>
-                                        <p:tgtEl>
-                                          <p:spTgt spid="36"/>
-                                        </p:tgtEl>
-                                        <p:attrNameLst>
-                                          <p:attrName>style.visibility</p:attrName>
-                                        </p:attrNameLst>
-                                      </p:cBhvr>
-                                      <p:to>
-                                        <p:strVal val="visible"/>
-                                      </p:to>
-                                    </p:set>
-                                    <p:animEffect transition="in" filter="fade">
-                                      <p:cBhvr>
-                                        <p:cTn id="7" dur="500"/>
-                                        <p:tgtEl>
-                                          <p:spTgt spid="36"/>
-                                        </p:tgtEl>
-                                      </p:cBhvr>
-                                    </p:animEffect>
-                                  </p:childTnLst>
-                                </p:cTn>
-                              </p:par>
-                            </p:childTnLst>
-                          </p:cTn>
-                        </p:par>
-                      </p:childTnLst>
-                    </p:cTn>
-                  </p:par>
-                  <p:par>
-                    <p:cTn id="8" fill="hold">
-                      <p:stCondLst>
-                        <p:cond delay="indefinite"/>
-                      </p:stCondLst>
-                      <p:childTnLst>
-                        <p:par>
-                          <p:cTn id="9" fill="hold">
-                            <p:stCondLst>
-                              <p:cond delay="0"/>
-                            </p:stCondLst>
-                            <p:childTnLst>
-                              <p:par>
-                                <p:cTn id="10" presetID="10" presetClass="exit" presetSubtype="0" fill="hold" nodeType="clickEffect">
-                                  <p:stCondLst>
-                                    <p:cond delay="0"/>
-                                  </p:stCondLst>
-                                  <p:childTnLst>
-                                    <p:animEffect transition="out" filter="fade">
-                                      <p:cBhvr>
-                                        <p:cTn id="11" dur="500"/>
-                                        <p:tgtEl>
-                                          <p:spTgt spid="36"/>
-                                        </p:tgtEl>
-                                      </p:cBhvr>
-                                    </p:animEffect>
-                                    <p:set>
-                                      <p:cBhvr>
-                                        <p:cTn id="12" dur="1" fill="hold">
-                                          <p:stCondLst>
-                                            <p:cond delay="499"/>
-                                          </p:stCondLst>
-                                        </p:cTn>
-                                        <p:tgtEl>
-                                          <p:spTgt spid="36"/>
-                                        </p:tgtEl>
-                                        <p:attrNameLst>
-                                          <p:attrName>style.visibility</p:attrName>
-                                        </p:attrNameLst>
-                                      </p:cBhvr>
-                                      <p:to>
-                                        <p:strVal val="hidden"/>
-                                      </p:to>
-                                    </p:set>
-                                  </p:childTnLst>
-                                </p:cTn>
-                              </p:par>
-                              <p:par>
-                                <p:cTn id="13" presetID="10" presetClass="entr" presetSubtype="0" fill="hold" grpId="0" nodeType="withEffect">
-                                  <p:stCondLst>
-                                    <p:cond delay="0"/>
-                                  </p:stCondLst>
-                                  <p:childTnLst>
-                                    <p:set>
-                                      <p:cBhvr>
-                                        <p:cTn id="14" dur="1" fill="hold">
-                                          <p:stCondLst>
-                                            <p:cond delay="0"/>
-                                          </p:stCondLst>
-                                        </p:cTn>
-                                        <p:tgtEl>
-                                          <p:spTgt spid="8"/>
-                                        </p:tgtEl>
-                                        <p:attrNameLst>
-                                          <p:attrName>style.visibility</p:attrName>
-                                        </p:attrNameLst>
-                                      </p:cBhvr>
-                                      <p:to>
-                                        <p:strVal val="visible"/>
-                                      </p:to>
-                                    </p:set>
-                                    <p:animEffect transition="in" filter="fade">
-                                      <p:cBhvr>
-                                        <p:cTn id="15" dur="500"/>
-                                        <p:tgtEl>
-                                          <p:spTgt spid="8"/>
-                                        </p:tgtEl>
-                                      </p:cBhvr>
-                                    </p:animEffect>
-                                  </p:childTnLst>
-                                </p:cTn>
-                              </p:par>
-                              <p:par>
-                                <p:cTn id="16" presetID="10" presetClass="entr" presetSubtype="0" fill="hold" nodeType="withEffect">
-                                  <p:stCondLst>
-                                    <p:cond delay="0"/>
-                                  </p:stCondLst>
-                                  <p:childTnLst>
-                                    <p:set>
-                                      <p:cBhvr>
-                                        <p:cTn id="17" dur="1" fill="hold">
-                                          <p:stCondLst>
-                                            <p:cond delay="0"/>
-                                          </p:stCondLst>
-                                        </p:cTn>
-                                        <p:tgtEl>
-                                          <p:spTgt spid="18"/>
-                                        </p:tgtEl>
-                                        <p:attrNameLst>
-                                          <p:attrName>style.visibility</p:attrName>
-                                        </p:attrNameLst>
-                                      </p:cBhvr>
-                                      <p:to>
-                                        <p:strVal val="visible"/>
-                                      </p:to>
-                                    </p:set>
-                                    <p:animEffect transition="in" filter="fade">
-                                      <p:cBhvr>
-                                        <p:cTn id="18" dur="500"/>
-                                        <p:tgtEl>
-                                          <p:spTgt spid="18"/>
-                                        </p:tgtEl>
-                                      </p:cBhvr>
-                                    </p:animEffect>
-                                  </p:childTnLst>
-                                </p:cTn>
-                              </p:par>
-                            </p:childTnLst>
-                          </p:cTn>
-                        </p:par>
-                      </p:childTnLst>
-                    </p:cTn>
-                  </p:par>
-                  <p:par>
-                    <p:cTn id="19" fill="hold">
-                      <p:stCondLst>
-                        <p:cond delay="indefinite"/>
-                      </p:stCondLst>
-                      <p:childTnLst>
-                        <p:par>
-                          <p:cTn id="20" fill="hold">
-                            <p:stCondLst>
-                              <p:cond delay="0"/>
-                            </p:stCondLst>
-                            <p:childTnLst>
-                              <p:par>
-                                <p:cTn id="21" presetID="10" presetClass="exit" presetSubtype="0" fill="hold" nodeType="clickEffect">
-                                  <p:stCondLst>
-                                    <p:cond delay="0"/>
-                                  </p:stCondLst>
-                                  <p:childTnLst>
-                                    <p:animEffect transition="out" filter="fade">
-                                      <p:cBhvr>
-                                        <p:cTn id="22" dur="500"/>
-                                        <p:tgtEl>
-                                          <p:spTgt spid="18"/>
-                                        </p:tgtEl>
-                                      </p:cBhvr>
-                                    </p:animEffect>
-                                    <p:set>
-                                      <p:cBhvr>
-                                        <p:cTn id="23" dur="1" fill="hold">
-                                          <p:stCondLst>
-                                            <p:cond delay="499"/>
-                                          </p:stCondLst>
-                                        </p:cTn>
-                                        <p:tgtEl>
-                                          <p:spTgt spid="18"/>
-                                        </p:tgtEl>
-                                        <p:attrNameLst>
-                                          <p:attrName>style.visibility</p:attrName>
-                                        </p:attrNameLst>
-                                      </p:cBhvr>
-                                      <p:to>
-                                        <p:strVal val="hidden"/>
-                                      </p:to>
-                                    </p:set>
-                                  </p:childTnLst>
-                                </p:cTn>
-                              </p:par>
-                              <p:par>
-                                <p:cTn id="24" presetID="10" presetClass="exit" presetSubtype="0" fill="hold" grpId="1" nodeType="withEffect">
-                                  <p:stCondLst>
-                                    <p:cond delay="0"/>
-                                  </p:stCondLst>
-                                  <p:childTnLst>
-                                    <p:animEffect transition="out" filter="fade">
-                                      <p:cBhvr>
-                                        <p:cTn id="25" dur="500"/>
-                                        <p:tgtEl>
-                                          <p:spTgt spid="8"/>
-                                        </p:tgtEl>
-                                      </p:cBhvr>
-                                    </p:animEffect>
-                                    <p:set>
-                                      <p:cBhvr>
-                                        <p:cTn id="26" dur="1" fill="hold">
-                                          <p:stCondLst>
-                                            <p:cond delay="499"/>
-                                          </p:stCondLst>
-                                        </p:cTn>
-                                        <p:tgtEl>
-                                          <p:spTgt spid="8"/>
-                                        </p:tgtEl>
-                                        <p:attrNameLst>
-                                          <p:attrName>style.visibility</p:attrName>
-                                        </p:attrNameLst>
-                                      </p:cBhvr>
-                                      <p:to>
-                                        <p:strVal val="hidden"/>
-                                      </p:to>
-                                    </p:set>
-                                  </p:childTnLst>
-                                </p:cTn>
-                              </p:par>
-                              <p:par>
-                                <p:cTn id="27" presetID="10" presetClass="entr" presetSubtype="0" fill="hold" nodeType="withEffect">
-                                  <p:stCondLst>
-                                    <p:cond delay="0"/>
-                                  </p:stCondLst>
-                                  <p:childTnLst>
-                                    <p:set>
-                                      <p:cBhvr>
-                                        <p:cTn id="28" dur="1" fill="hold">
-                                          <p:stCondLst>
-                                            <p:cond delay="0"/>
-                                          </p:stCondLst>
-                                        </p:cTn>
-                                        <p:tgtEl>
-                                          <p:spTgt spid="13"/>
-                                        </p:tgtEl>
-                                        <p:attrNameLst>
-                                          <p:attrName>style.visibility</p:attrName>
-                                        </p:attrNameLst>
-                                      </p:cBhvr>
-                                      <p:to>
-                                        <p:strVal val="visible"/>
-                                      </p:to>
-                                    </p:set>
-                                    <p:animEffect transition="in" filter="fade">
-                                      <p:cBhvr>
-                                        <p:cTn id="29" dur="500"/>
-                                        <p:tgtEl>
-                                          <p:spTgt spid="13"/>
-                                        </p:tgtEl>
-                                      </p:cBhvr>
-                                    </p:animEffect>
-                                  </p:childTnLst>
-                                </p:cTn>
-                              </p:par>
-                              <p:par>
-                                <p:cTn id="30" presetID="10" presetClass="entr" presetSubtype="0" fill="hold" grpId="0" nodeType="withEffect">
-                                  <p:stCondLst>
-                                    <p:cond delay="0"/>
-                                  </p:stCondLst>
-                                  <p:childTnLst>
-                                    <p:set>
-                                      <p:cBhvr>
-                                        <p:cTn id="31" dur="1" fill="hold">
-                                          <p:stCondLst>
-                                            <p:cond delay="0"/>
-                                          </p:stCondLst>
-                                        </p:cTn>
-                                        <p:tgtEl>
-                                          <p:spTgt spid="12"/>
-                                        </p:tgtEl>
-                                        <p:attrNameLst>
-                                          <p:attrName>style.visibility</p:attrName>
-                                        </p:attrNameLst>
-                                      </p:cBhvr>
-                                      <p:to>
-                                        <p:strVal val="visible"/>
-                                      </p:to>
-                                    </p:set>
-                                    <p:animEffect transition="in" filter="fade">
-                                      <p:cBhvr>
-                                        <p:cTn id="32" dur="500"/>
-                                        <p:tgtEl>
-                                          <p:spTgt spid="12"/>
-                                        </p:tgtEl>
-                                      </p:cBhvr>
-                                    </p:animEffect>
-                                  </p:childTnLst>
-                                </p:cTn>
-                              </p:par>
-                            </p:childTnLst>
-                          </p:cTn>
-                        </p:par>
-                      </p:childTnLst>
-                    </p:cTn>
-                  </p:par>
-                  <p:par>
-                    <p:cTn id="33" fill="hold">
-                      <p:stCondLst>
-                        <p:cond delay="indefinite"/>
-                      </p:stCondLst>
-                      <p:childTnLst>
-                        <p:par>
-                          <p:cTn id="34" fill="hold">
-                            <p:stCondLst>
-                              <p:cond delay="0"/>
-                            </p:stCondLst>
-                            <p:childTnLst>
-                              <p:par>
-                                <p:cTn id="35" presetID="10" presetClass="exit" presetSubtype="0" fill="hold" grpId="1" nodeType="clickEffect">
-                                  <p:stCondLst>
-                                    <p:cond delay="0"/>
-                                  </p:stCondLst>
-                                  <p:childTnLst>
-                                    <p:animEffect transition="out" filter="fade">
-                                      <p:cBhvr>
-                                        <p:cTn id="36" dur="500"/>
-                                        <p:tgtEl>
-                                          <p:spTgt spid="12"/>
-                                        </p:tgtEl>
-                                      </p:cBhvr>
-                                    </p:animEffect>
-                                    <p:set>
-                                      <p:cBhvr>
-                                        <p:cTn id="37" dur="1" fill="hold">
-                                          <p:stCondLst>
-                                            <p:cond delay="499"/>
-                                          </p:stCondLst>
-                                        </p:cTn>
-                                        <p:tgtEl>
-                                          <p:spTgt spid="12"/>
-                                        </p:tgtEl>
-                                        <p:attrNameLst>
-                                          <p:attrName>style.visibility</p:attrName>
-                                        </p:attrNameLst>
-                                      </p:cBhvr>
-                                      <p:to>
-                                        <p:strVal val="hidden"/>
-                                      </p:to>
-                                    </p:set>
-                                  </p:childTnLst>
-                                </p:cTn>
-                              </p:par>
-                              <p:par>
-                                <p:cTn id="38" presetID="10" presetClass="exit" presetSubtype="0" fill="hold" nodeType="withEffect">
-                                  <p:stCondLst>
-                                    <p:cond delay="0"/>
-                                  </p:stCondLst>
-                                  <p:childTnLst>
-                                    <p:animEffect transition="out" filter="fade">
-                                      <p:cBhvr>
-                                        <p:cTn id="39" dur="500"/>
-                                        <p:tgtEl>
-                                          <p:spTgt spid="13"/>
-                                        </p:tgtEl>
-                                      </p:cBhvr>
-                                    </p:animEffect>
-                                    <p:set>
-                                      <p:cBhvr>
-                                        <p:cTn id="40" dur="1" fill="hold">
-                                          <p:stCondLst>
-                                            <p:cond delay="499"/>
-                                          </p:stCondLst>
-                                        </p:cTn>
-                                        <p:tgtEl>
-                                          <p:spTgt spid="13"/>
-                                        </p:tgtEl>
-                                        <p:attrNameLst>
-                                          <p:attrName>style.visibility</p:attrName>
-                                        </p:attrNameLst>
-                                      </p:cBhvr>
-                                      <p:to>
-                                        <p:strVal val="hidden"/>
-                                      </p:to>
-                                    </p:set>
-                                  </p:childTnLst>
-                                </p:cTn>
-                              </p:par>
-                              <p:par>
-                                <p:cTn id="41" presetID="10" presetClass="entr" presetSubtype="0" fill="hold" grpId="0" nodeType="withEffect">
-                                  <p:stCondLst>
-                                    <p:cond delay="0"/>
-                                  </p:stCondLst>
-                                  <p:childTnLst>
-                                    <p:set>
-                                      <p:cBhvr>
-                                        <p:cTn id="42" dur="1" fill="hold">
-                                          <p:stCondLst>
-                                            <p:cond delay="0"/>
-                                          </p:stCondLst>
-                                        </p:cTn>
-                                        <p:tgtEl>
-                                          <p:spTgt spid="17"/>
-                                        </p:tgtEl>
-                                        <p:attrNameLst>
-                                          <p:attrName>style.visibility</p:attrName>
-                                        </p:attrNameLst>
-                                      </p:cBhvr>
-                                      <p:to>
-                                        <p:strVal val="visible"/>
-                                      </p:to>
-                                    </p:set>
-                                    <p:animEffect transition="in" filter="fade">
-                                      <p:cBhvr>
-                                        <p:cTn id="43" dur="500"/>
-                                        <p:tgtEl>
-                                          <p:spTgt spid="17"/>
-                                        </p:tgtEl>
-                                      </p:cBhvr>
-                                    </p:animEffect>
-                                  </p:childTnLst>
-                                </p:cTn>
-                              </p:par>
-                              <p:par>
-                                <p:cTn id="44" presetID="10" presetClass="entr" presetSubtype="0" fill="hold" nodeType="withEffect">
-                                  <p:stCondLst>
-                                    <p:cond delay="0"/>
-                                  </p:stCondLst>
-                                  <p:childTnLst>
-                                    <p:set>
-                                      <p:cBhvr>
-                                        <p:cTn id="45" dur="1" fill="hold">
-                                          <p:stCondLst>
-                                            <p:cond delay="0"/>
-                                          </p:stCondLst>
-                                        </p:cTn>
-                                        <p:tgtEl>
-                                          <p:spTgt spid="21"/>
-                                        </p:tgtEl>
-                                        <p:attrNameLst>
-                                          <p:attrName>style.visibility</p:attrName>
-                                        </p:attrNameLst>
-                                      </p:cBhvr>
-                                      <p:to>
-                                        <p:strVal val="visible"/>
-                                      </p:to>
-                                    </p:set>
-                                    <p:animEffect transition="in" filter="fade">
-                                      <p:cBhvr>
-                                        <p:cTn id="46" dur="500"/>
-                                        <p:tgtEl>
-                                          <p:spTgt spid="21"/>
-                                        </p:tgtEl>
-                                      </p:cBhvr>
-                                    </p:animEffect>
-                                  </p:childTnLst>
-                                </p:cTn>
-                              </p:par>
-                            </p:childTnLst>
-                          </p:cTn>
-                        </p:par>
-                      </p:childTnLst>
-                    </p:cTn>
-                  </p:par>
-                  <p:par>
-                    <p:cTn id="47" fill="hold">
-                      <p:stCondLst>
-                        <p:cond delay="indefinite"/>
-                      </p:stCondLst>
-                      <p:childTnLst>
-                        <p:par>
-                          <p:cTn id="48" fill="hold">
-                            <p:stCondLst>
-                              <p:cond delay="0"/>
-                            </p:stCondLst>
-                            <p:childTnLst>
-                              <p:par>
-                                <p:cTn id="49" presetID="10" presetClass="exit" presetSubtype="0" fill="hold" grpId="1" nodeType="clickEffect">
-                                  <p:stCondLst>
-                                    <p:cond delay="0"/>
-                                  </p:stCondLst>
-                                  <p:childTnLst>
-                                    <p:animEffect transition="out" filter="fade">
-                                      <p:cBhvr>
-                                        <p:cTn id="50" dur="500"/>
-                                        <p:tgtEl>
-                                          <p:spTgt spid="17"/>
-                                        </p:tgtEl>
-                                      </p:cBhvr>
-                                    </p:animEffect>
-                                    <p:set>
-                                      <p:cBhvr>
-                                        <p:cTn id="51" dur="1" fill="hold">
-                                          <p:stCondLst>
-                                            <p:cond delay="499"/>
-                                          </p:stCondLst>
-                                        </p:cTn>
-                                        <p:tgtEl>
-                                          <p:spTgt spid="17"/>
-                                        </p:tgtEl>
-                                        <p:attrNameLst>
-                                          <p:attrName>style.visibility</p:attrName>
-                                        </p:attrNameLst>
-                                      </p:cBhvr>
-                                      <p:to>
-                                        <p:strVal val="hidden"/>
-                                      </p:to>
-                                    </p:set>
-                                  </p:childTnLst>
-                                </p:cTn>
-                              </p:par>
-                              <p:par>
-                                <p:cTn id="52" presetID="10" presetClass="exit" presetSubtype="0" fill="hold" nodeType="withEffect">
-                                  <p:stCondLst>
-                                    <p:cond delay="0"/>
-                                  </p:stCondLst>
-                                  <p:childTnLst>
-                                    <p:animEffect transition="out" filter="fade">
-                                      <p:cBhvr>
-                                        <p:cTn id="53" dur="500"/>
-                                        <p:tgtEl>
-                                          <p:spTgt spid="21"/>
-                                        </p:tgtEl>
-                                      </p:cBhvr>
-                                    </p:animEffect>
-                                    <p:set>
-                                      <p:cBhvr>
-                                        <p:cTn id="54" dur="1" fill="hold">
-                                          <p:stCondLst>
-                                            <p:cond delay="499"/>
-                                          </p:stCondLst>
-                                        </p:cTn>
-                                        <p:tgtEl>
-                                          <p:spTgt spid="21"/>
-                                        </p:tgtEl>
-                                        <p:attrNameLst>
-                                          <p:attrName>style.visibility</p:attrName>
-                                        </p:attrNameLst>
-                                      </p:cBhvr>
-                                      <p:to>
-                                        <p:strVal val="hidden"/>
-                                      </p:to>
-                                    </p:set>
-                                  </p:childTnLst>
-                                </p:cTn>
-                              </p:par>
-                              <p:par>
-                                <p:cTn id="55" presetID="10" presetClass="entr" presetSubtype="0" fill="hold" grpId="0" nodeType="withEffect">
-                                  <p:stCondLst>
-                                    <p:cond delay="0"/>
-                                  </p:stCondLst>
-                                  <p:childTnLst>
-                                    <p:set>
-                                      <p:cBhvr>
-                                        <p:cTn id="56" dur="1" fill="hold">
-                                          <p:stCondLst>
-                                            <p:cond delay="0"/>
-                                          </p:stCondLst>
-                                        </p:cTn>
-                                        <p:tgtEl>
-                                          <p:spTgt spid="24"/>
-                                        </p:tgtEl>
-                                        <p:attrNameLst>
-                                          <p:attrName>style.visibility</p:attrName>
-                                        </p:attrNameLst>
-                                      </p:cBhvr>
-                                      <p:to>
-                                        <p:strVal val="visible"/>
-                                      </p:to>
-                                    </p:set>
-                                    <p:animEffect transition="in" filter="fade">
-                                      <p:cBhvr>
-                                        <p:cTn id="57" dur="500"/>
-                                        <p:tgtEl>
-                                          <p:spTgt spid="24"/>
-                                        </p:tgtEl>
-                                      </p:cBhvr>
-                                    </p:animEffect>
-                                  </p:childTnLst>
-                                </p:cTn>
-                              </p:par>
-                              <p:par>
-                                <p:cTn id="58" presetID="10" presetClass="entr" presetSubtype="0" fill="hold" nodeType="withEffect">
-                                  <p:stCondLst>
-                                    <p:cond delay="0"/>
-                                  </p:stCondLst>
-                                  <p:childTnLst>
-                                    <p:set>
-                                      <p:cBhvr>
-                                        <p:cTn id="59" dur="1" fill="hold">
-                                          <p:stCondLst>
-                                            <p:cond delay="0"/>
-                                          </p:stCondLst>
-                                        </p:cTn>
-                                        <p:tgtEl>
-                                          <p:spTgt spid="25"/>
-                                        </p:tgtEl>
-                                        <p:attrNameLst>
-                                          <p:attrName>style.visibility</p:attrName>
-                                        </p:attrNameLst>
-                                      </p:cBhvr>
-                                      <p:to>
-                                        <p:strVal val="visible"/>
-                                      </p:to>
-                                    </p:set>
-                                    <p:animEffect transition="in" filter="fade">
-                                      <p:cBhvr>
-                                        <p:cTn id="60" dur="500"/>
-                                        <p:tgtEl>
-                                          <p:spTgt spid="25"/>
-                                        </p:tgtEl>
-                                      </p:cBhvr>
-                                    </p:animEffect>
-                                  </p:childTnLst>
-                                </p:cTn>
-                              </p:par>
-                            </p:childTnLst>
-                          </p:cTn>
-                        </p:par>
-                      </p:childTnLst>
-                    </p:cTn>
-                  </p:par>
-                  <p:par>
-                    <p:cTn id="61" fill="hold">
-                      <p:stCondLst>
-                        <p:cond delay="indefinite"/>
-                      </p:stCondLst>
-                      <p:childTnLst>
-                        <p:par>
-                          <p:cTn id="62" fill="hold">
-                            <p:stCondLst>
-                              <p:cond delay="0"/>
-                            </p:stCondLst>
-                            <p:childTnLst>
-                              <p:par>
-                                <p:cTn id="63" presetID="10" presetClass="exit" presetSubtype="0" fill="hold" grpId="1" nodeType="clickEffect">
-                                  <p:stCondLst>
-                                    <p:cond delay="0"/>
-                                  </p:stCondLst>
-                                  <p:childTnLst>
-                                    <p:animEffect transition="out" filter="fade">
-                                      <p:cBhvr>
-                                        <p:cTn id="64" dur="500"/>
-                                        <p:tgtEl>
-                                          <p:spTgt spid="24"/>
-                                        </p:tgtEl>
-                                      </p:cBhvr>
-                                    </p:animEffect>
-                                    <p:set>
-                                      <p:cBhvr>
-                                        <p:cTn id="65" dur="1" fill="hold">
-                                          <p:stCondLst>
-                                            <p:cond delay="499"/>
-                                          </p:stCondLst>
-                                        </p:cTn>
-                                        <p:tgtEl>
-                                          <p:spTgt spid="24"/>
-                                        </p:tgtEl>
-                                        <p:attrNameLst>
-                                          <p:attrName>style.visibility</p:attrName>
-                                        </p:attrNameLst>
-                                      </p:cBhvr>
-                                      <p:to>
-                                        <p:strVal val="hidden"/>
-                                      </p:to>
-                                    </p:set>
-                                  </p:childTnLst>
-                                </p:cTn>
-                              </p:par>
-                              <p:par>
-                                <p:cTn id="66" presetID="10" presetClass="exit" presetSubtype="0" fill="hold" nodeType="withEffect">
-                                  <p:stCondLst>
-                                    <p:cond delay="0"/>
-                                  </p:stCondLst>
-                                  <p:childTnLst>
-                                    <p:animEffect transition="out" filter="fade">
-                                      <p:cBhvr>
-                                        <p:cTn id="67" dur="500"/>
-                                        <p:tgtEl>
-                                          <p:spTgt spid="25"/>
-                                        </p:tgtEl>
-                                      </p:cBhvr>
-                                    </p:animEffect>
-                                    <p:set>
-                                      <p:cBhvr>
-                                        <p:cTn id="68" dur="1" fill="hold">
-                                          <p:stCondLst>
-                                            <p:cond delay="499"/>
-                                          </p:stCondLst>
-                                        </p:cTn>
-                                        <p:tgtEl>
-                                          <p:spTgt spid="25"/>
-                                        </p:tgtEl>
-                                        <p:attrNameLst>
-                                          <p:attrName>style.visibility</p:attrName>
-                                        </p:attrNameLst>
-                                      </p:cBhvr>
-                                      <p:to>
-                                        <p:strVal val="hidden"/>
-                                      </p:to>
-                                    </p:set>
-                                  </p:childTnLst>
-                                </p:cTn>
-                              </p:par>
-                              <p:par>
-                                <p:cTn id="69" presetID="10" presetClass="entr" presetSubtype="0" fill="hold" grpId="0" nodeType="withEffect">
-                                  <p:stCondLst>
-                                    <p:cond delay="0"/>
-                                  </p:stCondLst>
-                                  <p:childTnLst>
-                                    <p:set>
-                                      <p:cBhvr>
-                                        <p:cTn id="70" dur="1" fill="hold">
-                                          <p:stCondLst>
-                                            <p:cond delay="0"/>
-                                          </p:stCondLst>
-                                        </p:cTn>
-                                        <p:tgtEl>
-                                          <p:spTgt spid="30"/>
-                                        </p:tgtEl>
-                                        <p:attrNameLst>
-                                          <p:attrName>style.visibility</p:attrName>
-                                        </p:attrNameLst>
-                                      </p:cBhvr>
-                                      <p:to>
-                                        <p:strVal val="visible"/>
-                                      </p:to>
-                                    </p:set>
-                                    <p:animEffect transition="in" filter="fade">
-                                      <p:cBhvr>
-                                        <p:cTn id="71" dur="500"/>
-                                        <p:tgtEl>
-                                          <p:spTgt spid="30"/>
-                                        </p:tgtEl>
-                                      </p:cBhvr>
-                                    </p:animEffect>
-                                  </p:childTnLst>
-                                </p:cTn>
-                              </p:par>
-                              <p:par>
-                                <p:cTn id="72" presetID="10" presetClass="entr" presetSubtype="0" fill="hold" nodeType="withEffect">
-                                  <p:stCondLst>
-                                    <p:cond delay="0"/>
-                                  </p:stCondLst>
-                                  <p:childTnLst>
-                                    <p:set>
-                                      <p:cBhvr>
-                                        <p:cTn id="73" dur="1" fill="hold">
-                                          <p:stCondLst>
-                                            <p:cond delay="0"/>
-                                          </p:stCondLst>
-                                        </p:cTn>
-                                        <p:tgtEl>
-                                          <p:spTgt spid="31"/>
-                                        </p:tgtEl>
-                                        <p:attrNameLst>
-                                          <p:attrName>style.visibility</p:attrName>
-                                        </p:attrNameLst>
-                                      </p:cBhvr>
-                                      <p:to>
-                                        <p:strVal val="visible"/>
-                                      </p:to>
-                                    </p:set>
-                                    <p:animEffect transition="in" filter="fade">
-                                      <p:cBhvr>
-                                        <p:cTn id="74" dur="500"/>
-                                        <p:tgtEl>
-                                          <p:spTgt spid="31"/>
-                                        </p:tgtEl>
-                                      </p:cBhvr>
-                                    </p:animEffect>
-                                  </p:childTnLst>
-                                </p:cTn>
-                              </p:par>
-                            </p:childTnLst>
-                          </p:cTn>
-                        </p:par>
-                      </p:childTnLst>
-                    </p:cTn>
-                  </p:par>
-                </p:childTnLst>
-              </p:cTn>
-              <p:prevCondLst>
-                <p:cond evt="onPrev" delay="0">
-                  <p:tgtEl>
-                    <p:sldTgt/>
-                  </p:tgtEl>
-                </p:cond>
-              </p:prevCondLst>
-              <p:nextCondLst>
-                <p:cond evt="onNext" delay="0">
-                  <p:tgtEl>
-                    <p:sldTgt/>
-                  </p:tgtEl>
-                </p:cond>
-              </p:nextCondLst>
-            </p:seq>
-          </p:childTnLst>
-        </p:cTn>
+        <p:cTn xmlns:p14="http://schemas.microsoft.com/office/powerpoint/2010/main" id="1" dur="indefinite" restart="never" nodeType="tmRoot"/>
       </p:par>
     </p:tnLst>
-    <p:bldLst>
-      <p:bldP spid="8" grpId="0" animBg="1"/>
-      <p:bldP spid="8" grpId="1" animBg="1"/>
-      <p:bldP spid="12" grpId="0" animBg="1"/>
-      <p:bldP spid="12" grpId="1" animBg="1"/>
-      <p:bldP spid="17" grpId="0" animBg="1"/>
-      <p:bldP spid="17" grpId="1" animBg="1"/>
-      <p:bldP spid="24" grpId="0" animBg="1"/>
-      <p:bldP spid="24" grpId="1" animBg="1"/>
-      <p:bldP spid="30" grpId="0" animBg="1"/>
-    </p:bldLst>
   </p:timing>
 </p:sld>
 </file>
